--- a/figures/Chapter 5 - Hashing/5.3 Intro to Hash Tables.pptx
+++ b/figures/Chapter 5 - Hashing/5.3 Intro to Hash Tables.pptx
@@ -172,10 +172,9 @@
           </a:lstStyle>
           <a:p>
             <a:r>
-              <a:rPr lang="en-US" smtClean="0"/>
+              <a:rPr lang="en-US"/>
               <a:t>Click to edit Master title style</a:t>
             </a:r>
-            <a:endParaRPr lang="en-US"/>
           </a:p>
         </p:txBody>
       </p:sp>
@@ -237,10 +236,9 @@
           </a:lstStyle>
           <a:p>
             <a:r>
-              <a:rPr lang="en-US" smtClean="0"/>
+              <a:rPr lang="en-US"/>
               <a:t>Click to edit Master subtitle style</a:t>
             </a:r>
-            <a:endParaRPr lang="en-US"/>
           </a:p>
         </p:txBody>
       </p:sp>
@@ -261,7 +259,7 @@
           <a:p>
             <a:fld id="{5F8C1D27-7054-4C6B-8816-BEAA3AD2E28B}" type="datetimeFigureOut">
               <a:rPr lang="en-US" smtClean="0"/>
-              <a:t>9/2/16</a:t>
+              <a:t>5/8/18</a:t>
             </a:fld>
             <a:endParaRPr lang="en-US"/>
           </a:p>
@@ -355,10 +353,9 @@
           <a:lstStyle/>
           <a:p>
             <a:r>
-              <a:rPr lang="en-US" smtClean="0"/>
+              <a:rPr lang="en-US"/>
               <a:t>Click to edit Master title style</a:t>
             </a:r>
-            <a:endParaRPr lang="en-US"/>
           </a:p>
         </p:txBody>
       </p:sp>
@@ -379,38 +376,37 @@
           <a:p>
             <a:pPr lvl="0"/>
             <a:r>
-              <a:rPr lang="en-US" smtClean="0"/>
+              <a:rPr lang="en-US"/>
               <a:t>Click to edit Master text styles</a:t>
             </a:r>
           </a:p>
           <a:p>
             <a:pPr lvl="1"/>
             <a:r>
-              <a:rPr lang="en-US" smtClean="0"/>
+              <a:rPr lang="en-US"/>
               <a:t>Second level</a:t>
             </a:r>
           </a:p>
           <a:p>
             <a:pPr lvl="2"/>
             <a:r>
-              <a:rPr lang="en-US" smtClean="0"/>
+              <a:rPr lang="en-US"/>
               <a:t>Third level</a:t>
             </a:r>
           </a:p>
           <a:p>
             <a:pPr lvl="3"/>
             <a:r>
-              <a:rPr lang="en-US" smtClean="0"/>
+              <a:rPr lang="en-US"/>
               <a:t>Fourth level</a:t>
             </a:r>
           </a:p>
           <a:p>
             <a:pPr lvl="4"/>
             <a:r>
-              <a:rPr lang="en-US" smtClean="0"/>
+              <a:rPr lang="en-US"/>
               <a:t>Fifth level</a:t>
             </a:r>
-            <a:endParaRPr lang="en-US"/>
           </a:p>
         </p:txBody>
       </p:sp>
@@ -431,7 +427,7 @@
           <a:p>
             <a:fld id="{5F8C1D27-7054-4C6B-8816-BEAA3AD2E28B}" type="datetimeFigureOut">
               <a:rPr lang="en-US" smtClean="0"/>
-              <a:t>9/2/16</a:t>
+              <a:t>5/8/18</a:t>
             </a:fld>
             <a:endParaRPr lang="en-US"/>
           </a:p>
@@ -530,10 +526,9 @@
           <a:lstStyle/>
           <a:p>
             <a:r>
-              <a:rPr lang="en-US" smtClean="0"/>
+              <a:rPr lang="en-US"/>
               <a:t>Click to edit Master title style</a:t>
             </a:r>
-            <a:endParaRPr lang="en-US"/>
           </a:p>
         </p:txBody>
       </p:sp>
@@ -559,38 +554,37 @@
           <a:p>
             <a:pPr lvl="0"/>
             <a:r>
-              <a:rPr lang="en-US" smtClean="0"/>
+              <a:rPr lang="en-US"/>
               <a:t>Click to edit Master text styles</a:t>
             </a:r>
           </a:p>
           <a:p>
             <a:pPr lvl="1"/>
             <a:r>
-              <a:rPr lang="en-US" smtClean="0"/>
+              <a:rPr lang="en-US"/>
               <a:t>Second level</a:t>
             </a:r>
           </a:p>
           <a:p>
             <a:pPr lvl="2"/>
             <a:r>
-              <a:rPr lang="en-US" smtClean="0"/>
+              <a:rPr lang="en-US"/>
               <a:t>Third level</a:t>
             </a:r>
           </a:p>
           <a:p>
             <a:pPr lvl="3"/>
             <a:r>
-              <a:rPr lang="en-US" smtClean="0"/>
+              <a:rPr lang="en-US"/>
               <a:t>Fourth level</a:t>
             </a:r>
           </a:p>
           <a:p>
             <a:pPr lvl="4"/>
             <a:r>
-              <a:rPr lang="en-US" smtClean="0"/>
+              <a:rPr lang="en-US"/>
               <a:t>Fifth level</a:t>
             </a:r>
-            <a:endParaRPr lang="en-US"/>
           </a:p>
         </p:txBody>
       </p:sp>
@@ -611,7 +605,7 @@
           <a:p>
             <a:fld id="{5F8C1D27-7054-4C6B-8816-BEAA3AD2E28B}" type="datetimeFigureOut">
               <a:rPr lang="en-US" smtClean="0"/>
-              <a:t>9/2/16</a:t>
+              <a:t>5/8/18</a:t>
             </a:fld>
             <a:endParaRPr lang="en-US"/>
           </a:p>
@@ -705,10 +699,9 @@
           <a:lstStyle/>
           <a:p>
             <a:r>
-              <a:rPr lang="en-US" smtClean="0"/>
+              <a:rPr lang="en-US"/>
               <a:t>Click to edit Master title style</a:t>
             </a:r>
-            <a:endParaRPr lang="en-US"/>
           </a:p>
         </p:txBody>
       </p:sp>
@@ -729,38 +722,37 @@
           <a:p>
             <a:pPr lvl="0"/>
             <a:r>
-              <a:rPr lang="en-US" smtClean="0"/>
+              <a:rPr lang="en-US"/>
               <a:t>Click to edit Master text styles</a:t>
             </a:r>
           </a:p>
           <a:p>
             <a:pPr lvl="1"/>
             <a:r>
-              <a:rPr lang="en-US" smtClean="0"/>
+              <a:rPr lang="en-US"/>
               <a:t>Second level</a:t>
             </a:r>
           </a:p>
           <a:p>
             <a:pPr lvl="2"/>
             <a:r>
-              <a:rPr lang="en-US" smtClean="0"/>
+              <a:rPr lang="en-US"/>
               <a:t>Third level</a:t>
             </a:r>
           </a:p>
           <a:p>
             <a:pPr lvl="3"/>
             <a:r>
-              <a:rPr lang="en-US" smtClean="0"/>
+              <a:rPr lang="en-US"/>
               <a:t>Fourth level</a:t>
             </a:r>
           </a:p>
           <a:p>
             <a:pPr lvl="4"/>
             <a:r>
-              <a:rPr lang="en-US" smtClean="0"/>
+              <a:rPr lang="en-US"/>
               <a:t>Fifth level</a:t>
             </a:r>
-            <a:endParaRPr lang="en-US"/>
           </a:p>
         </p:txBody>
       </p:sp>
@@ -781,7 +773,7 @@
           <a:p>
             <a:fld id="{5F8C1D27-7054-4C6B-8816-BEAA3AD2E28B}" type="datetimeFigureOut">
               <a:rPr lang="en-US" smtClean="0"/>
-              <a:t>9/2/16</a:t>
+              <a:t>5/8/18</a:t>
             </a:fld>
             <a:endParaRPr lang="en-US"/>
           </a:p>
@@ -884,10 +876,9 @@
           </a:lstStyle>
           <a:p>
             <a:r>
-              <a:rPr lang="en-US" smtClean="0"/>
+              <a:rPr lang="en-US"/>
               <a:t>Click to edit Master title style</a:t>
             </a:r>
-            <a:endParaRPr lang="en-US"/>
           </a:p>
         </p:txBody>
       </p:sp>
@@ -1004,7 +995,7 @@
           <a:p>
             <a:pPr lvl="0"/>
             <a:r>
-              <a:rPr lang="en-US" smtClean="0"/>
+              <a:rPr lang="en-US"/>
               <a:t>Click to edit Master text styles</a:t>
             </a:r>
           </a:p>
@@ -1027,7 +1018,7 @@
           <a:p>
             <a:fld id="{5F8C1D27-7054-4C6B-8816-BEAA3AD2E28B}" type="datetimeFigureOut">
               <a:rPr lang="en-US" smtClean="0"/>
-              <a:t>9/2/16</a:t>
+              <a:t>5/8/18</a:t>
             </a:fld>
             <a:endParaRPr lang="en-US"/>
           </a:p>
@@ -1121,10 +1112,9 @@
           <a:lstStyle/>
           <a:p>
             <a:r>
-              <a:rPr lang="en-US" smtClean="0"/>
+              <a:rPr lang="en-US"/>
               <a:t>Click to edit Master title style</a:t>
             </a:r>
-            <a:endParaRPr lang="en-US"/>
           </a:p>
         </p:txBody>
       </p:sp>
@@ -1150,38 +1140,37 @@
           <a:p>
             <a:pPr lvl="0"/>
             <a:r>
-              <a:rPr lang="en-US" smtClean="0"/>
+              <a:rPr lang="en-US"/>
               <a:t>Click to edit Master text styles</a:t>
             </a:r>
           </a:p>
           <a:p>
             <a:pPr lvl="1"/>
             <a:r>
-              <a:rPr lang="en-US" smtClean="0"/>
+              <a:rPr lang="en-US"/>
               <a:t>Second level</a:t>
             </a:r>
           </a:p>
           <a:p>
             <a:pPr lvl="2"/>
             <a:r>
-              <a:rPr lang="en-US" smtClean="0"/>
+              <a:rPr lang="en-US"/>
               <a:t>Third level</a:t>
             </a:r>
           </a:p>
           <a:p>
             <a:pPr lvl="3"/>
             <a:r>
-              <a:rPr lang="en-US" smtClean="0"/>
+              <a:rPr lang="en-US"/>
               <a:t>Fourth level</a:t>
             </a:r>
           </a:p>
           <a:p>
             <a:pPr lvl="4"/>
             <a:r>
-              <a:rPr lang="en-US" smtClean="0"/>
+              <a:rPr lang="en-US"/>
               <a:t>Fifth level</a:t>
             </a:r>
-            <a:endParaRPr lang="en-US"/>
           </a:p>
         </p:txBody>
       </p:sp>
@@ -1207,38 +1196,37 @@
           <a:p>
             <a:pPr lvl="0"/>
             <a:r>
-              <a:rPr lang="en-US" smtClean="0"/>
+              <a:rPr lang="en-US"/>
               <a:t>Click to edit Master text styles</a:t>
             </a:r>
           </a:p>
           <a:p>
             <a:pPr lvl="1"/>
             <a:r>
-              <a:rPr lang="en-US" smtClean="0"/>
+              <a:rPr lang="en-US"/>
               <a:t>Second level</a:t>
             </a:r>
           </a:p>
           <a:p>
             <a:pPr lvl="2"/>
             <a:r>
-              <a:rPr lang="en-US" smtClean="0"/>
+              <a:rPr lang="en-US"/>
               <a:t>Third level</a:t>
             </a:r>
           </a:p>
           <a:p>
             <a:pPr lvl="3"/>
             <a:r>
-              <a:rPr lang="en-US" smtClean="0"/>
+              <a:rPr lang="en-US"/>
               <a:t>Fourth level</a:t>
             </a:r>
           </a:p>
           <a:p>
             <a:pPr lvl="4"/>
             <a:r>
-              <a:rPr lang="en-US" smtClean="0"/>
+              <a:rPr lang="en-US"/>
               <a:t>Fifth level</a:t>
             </a:r>
-            <a:endParaRPr lang="en-US"/>
           </a:p>
         </p:txBody>
       </p:sp>
@@ -1259,7 +1247,7 @@
           <a:p>
             <a:fld id="{5F8C1D27-7054-4C6B-8816-BEAA3AD2E28B}" type="datetimeFigureOut">
               <a:rPr lang="en-US" smtClean="0"/>
-              <a:t>9/2/16</a:t>
+              <a:t>5/8/18</a:t>
             </a:fld>
             <a:endParaRPr lang="en-US"/>
           </a:p>
@@ -1358,10 +1346,9 @@
           <a:lstStyle/>
           <a:p>
             <a:r>
-              <a:rPr lang="en-US" smtClean="0"/>
+              <a:rPr lang="en-US"/>
               <a:t>Click to edit Master title style</a:t>
             </a:r>
-            <a:endParaRPr lang="en-US"/>
           </a:p>
         </p:txBody>
       </p:sp>
@@ -1424,7 +1411,7 @@
           <a:p>
             <a:pPr lvl="0"/>
             <a:r>
-              <a:rPr lang="en-US" smtClean="0"/>
+              <a:rPr lang="en-US"/>
               <a:t>Click to edit Master text styles</a:t>
             </a:r>
           </a:p>
@@ -1452,38 +1439,37 @@
           <a:p>
             <a:pPr lvl="0"/>
             <a:r>
-              <a:rPr lang="en-US" smtClean="0"/>
+              <a:rPr lang="en-US"/>
               <a:t>Click to edit Master text styles</a:t>
             </a:r>
           </a:p>
           <a:p>
             <a:pPr lvl="1"/>
             <a:r>
-              <a:rPr lang="en-US" smtClean="0"/>
+              <a:rPr lang="en-US"/>
               <a:t>Second level</a:t>
             </a:r>
           </a:p>
           <a:p>
             <a:pPr lvl="2"/>
             <a:r>
-              <a:rPr lang="en-US" smtClean="0"/>
+              <a:rPr lang="en-US"/>
               <a:t>Third level</a:t>
             </a:r>
           </a:p>
           <a:p>
             <a:pPr lvl="3"/>
             <a:r>
-              <a:rPr lang="en-US" smtClean="0"/>
+              <a:rPr lang="en-US"/>
               <a:t>Fourth level</a:t>
             </a:r>
           </a:p>
           <a:p>
             <a:pPr lvl="4"/>
             <a:r>
-              <a:rPr lang="en-US" smtClean="0"/>
+              <a:rPr lang="en-US"/>
               <a:t>Fifth level</a:t>
             </a:r>
-            <a:endParaRPr lang="en-US"/>
           </a:p>
         </p:txBody>
       </p:sp>
@@ -1546,7 +1532,7 @@
           <a:p>
             <a:pPr lvl="0"/>
             <a:r>
-              <a:rPr lang="en-US" smtClean="0"/>
+              <a:rPr lang="en-US"/>
               <a:t>Click to edit Master text styles</a:t>
             </a:r>
           </a:p>
@@ -1574,38 +1560,37 @@
           <a:p>
             <a:pPr lvl="0"/>
             <a:r>
-              <a:rPr lang="en-US" smtClean="0"/>
+              <a:rPr lang="en-US"/>
               <a:t>Click to edit Master text styles</a:t>
             </a:r>
           </a:p>
           <a:p>
             <a:pPr lvl="1"/>
             <a:r>
-              <a:rPr lang="en-US" smtClean="0"/>
+              <a:rPr lang="en-US"/>
               <a:t>Second level</a:t>
             </a:r>
           </a:p>
           <a:p>
             <a:pPr lvl="2"/>
             <a:r>
-              <a:rPr lang="en-US" smtClean="0"/>
+              <a:rPr lang="en-US"/>
               <a:t>Third level</a:t>
             </a:r>
           </a:p>
           <a:p>
             <a:pPr lvl="3"/>
             <a:r>
-              <a:rPr lang="en-US" smtClean="0"/>
+              <a:rPr lang="en-US"/>
               <a:t>Fourth level</a:t>
             </a:r>
           </a:p>
           <a:p>
             <a:pPr lvl="4"/>
             <a:r>
-              <a:rPr lang="en-US" smtClean="0"/>
+              <a:rPr lang="en-US"/>
               <a:t>Fifth level</a:t>
             </a:r>
-            <a:endParaRPr lang="en-US"/>
           </a:p>
         </p:txBody>
       </p:sp>
@@ -1626,7 +1611,7 @@
           <a:p>
             <a:fld id="{5F8C1D27-7054-4C6B-8816-BEAA3AD2E28B}" type="datetimeFigureOut">
               <a:rPr lang="en-US" smtClean="0"/>
-              <a:t>9/2/16</a:t>
+              <a:t>5/8/18</a:t>
             </a:fld>
             <a:endParaRPr lang="en-US"/>
           </a:p>
@@ -1720,10 +1705,9 @@
           <a:lstStyle/>
           <a:p>
             <a:r>
-              <a:rPr lang="en-US" smtClean="0"/>
+              <a:rPr lang="en-US"/>
               <a:t>Click to edit Master title style</a:t>
             </a:r>
-            <a:endParaRPr lang="en-US"/>
           </a:p>
         </p:txBody>
       </p:sp>
@@ -1744,7 +1728,7 @@
           <a:p>
             <a:fld id="{5F8C1D27-7054-4C6B-8816-BEAA3AD2E28B}" type="datetimeFigureOut">
               <a:rPr lang="en-US" smtClean="0"/>
-              <a:t>9/2/16</a:t>
+              <a:t>5/8/18</a:t>
             </a:fld>
             <a:endParaRPr lang="en-US"/>
           </a:p>
@@ -1839,7 +1823,7 @@
           <a:p>
             <a:fld id="{5F8C1D27-7054-4C6B-8816-BEAA3AD2E28B}" type="datetimeFigureOut">
               <a:rPr lang="en-US" smtClean="0"/>
-              <a:t>9/2/16</a:t>
+              <a:t>5/8/18</a:t>
             </a:fld>
             <a:endParaRPr lang="en-US"/>
           </a:p>
@@ -1942,10 +1926,9 @@
           </a:lstStyle>
           <a:p>
             <a:r>
-              <a:rPr lang="en-US" smtClean="0"/>
+              <a:rPr lang="en-US"/>
               <a:t>Click to edit Master title style</a:t>
             </a:r>
-            <a:endParaRPr lang="en-US"/>
           </a:p>
         </p:txBody>
       </p:sp>
@@ -1999,38 +1982,37 @@
           <a:p>
             <a:pPr lvl="0"/>
             <a:r>
-              <a:rPr lang="en-US" smtClean="0"/>
+              <a:rPr lang="en-US"/>
               <a:t>Click to edit Master text styles</a:t>
             </a:r>
           </a:p>
           <a:p>
             <a:pPr lvl="1"/>
             <a:r>
-              <a:rPr lang="en-US" smtClean="0"/>
+              <a:rPr lang="en-US"/>
               <a:t>Second level</a:t>
             </a:r>
           </a:p>
           <a:p>
             <a:pPr lvl="2"/>
             <a:r>
-              <a:rPr lang="en-US" smtClean="0"/>
+              <a:rPr lang="en-US"/>
               <a:t>Third level</a:t>
             </a:r>
           </a:p>
           <a:p>
             <a:pPr lvl="3"/>
             <a:r>
-              <a:rPr lang="en-US" smtClean="0"/>
+              <a:rPr lang="en-US"/>
               <a:t>Fourth level</a:t>
             </a:r>
           </a:p>
           <a:p>
             <a:pPr lvl="4"/>
             <a:r>
-              <a:rPr lang="en-US" smtClean="0"/>
+              <a:rPr lang="en-US"/>
               <a:t>Fifth level</a:t>
             </a:r>
-            <a:endParaRPr lang="en-US"/>
           </a:p>
         </p:txBody>
       </p:sp>
@@ -2093,7 +2075,7 @@
           <a:p>
             <a:pPr lvl="0"/>
             <a:r>
-              <a:rPr lang="en-US" smtClean="0"/>
+              <a:rPr lang="en-US"/>
               <a:t>Click to edit Master text styles</a:t>
             </a:r>
           </a:p>
@@ -2116,7 +2098,7 @@
           <a:p>
             <a:fld id="{5F8C1D27-7054-4C6B-8816-BEAA3AD2E28B}" type="datetimeFigureOut">
               <a:rPr lang="en-US" smtClean="0"/>
-              <a:t>9/2/16</a:t>
+              <a:t>5/8/18</a:t>
             </a:fld>
             <a:endParaRPr lang="en-US"/>
           </a:p>
@@ -2219,10 +2201,9 @@
           </a:lstStyle>
           <a:p>
             <a:r>
-              <a:rPr lang="en-US" smtClean="0"/>
+              <a:rPr lang="en-US"/>
               <a:t>Click to edit Master title style</a:t>
             </a:r>
-            <a:endParaRPr lang="en-US"/>
           </a:p>
         </p:txBody>
       </p:sp>
@@ -2346,7 +2327,7 @@
           <a:p>
             <a:pPr lvl="0"/>
             <a:r>
-              <a:rPr lang="en-US" smtClean="0"/>
+              <a:rPr lang="en-US"/>
               <a:t>Click to edit Master text styles</a:t>
             </a:r>
           </a:p>
@@ -2369,7 +2350,7 @@
           <a:p>
             <a:fld id="{5F8C1D27-7054-4C6B-8816-BEAA3AD2E28B}" type="datetimeFigureOut">
               <a:rPr lang="en-US" smtClean="0"/>
-              <a:t>9/2/16</a:t>
+              <a:t>5/8/18</a:t>
             </a:fld>
             <a:endParaRPr lang="en-US"/>
           </a:p>
@@ -2478,10 +2459,9 @@
           <a:lstStyle/>
           <a:p>
             <a:r>
-              <a:rPr lang="en-US" smtClean="0"/>
+              <a:rPr lang="en-US"/>
               <a:t>Click to edit Master title style</a:t>
             </a:r>
-            <a:endParaRPr lang="en-US"/>
           </a:p>
         </p:txBody>
       </p:sp>
@@ -2512,38 +2492,37 @@
           <a:p>
             <a:pPr lvl="0"/>
             <a:r>
-              <a:rPr lang="en-US" smtClean="0"/>
+              <a:rPr lang="en-US"/>
               <a:t>Click to edit Master text styles</a:t>
             </a:r>
           </a:p>
           <a:p>
             <a:pPr lvl="1"/>
             <a:r>
-              <a:rPr lang="en-US" smtClean="0"/>
+              <a:rPr lang="en-US"/>
               <a:t>Second level</a:t>
             </a:r>
           </a:p>
           <a:p>
             <a:pPr lvl="2"/>
             <a:r>
-              <a:rPr lang="en-US" smtClean="0"/>
+              <a:rPr lang="en-US"/>
               <a:t>Third level</a:t>
             </a:r>
           </a:p>
           <a:p>
             <a:pPr lvl="3"/>
             <a:r>
-              <a:rPr lang="en-US" smtClean="0"/>
+              <a:rPr lang="en-US"/>
               <a:t>Fourth level</a:t>
             </a:r>
           </a:p>
           <a:p>
             <a:pPr lvl="4"/>
             <a:r>
-              <a:rPr lang="en-US" smtClean="0"/>
+              <a:rPr lang="en-US"/>
               <a:t>Fifth level</a:t>
             </a:r>
-            <a:endParaRPr lang="en-US"/>
           </a:p>
         </p:txBody>
       </p:sp>
@@ -2582,7 +2561,7 @@
           <a:p>
             <a:fld id="{5F8C1D27-7054-4C6B-8816-BEAA3AD2E28B}" type="datetimeFigureOut">
               <a:rPr lang="en-US" smtClean="0"/>
-              <a:t>9/2/16</a:t>
+              <a:t>5/8/18</a:t>
             </a:fld>
             <a:endParaRPr lang="en-US"/>
           </a:p>
@@ -2996,7 +2975,7 @@
           <p:nvPr>
             <p:extLst>
               <p:ext uri="{D42A27DB-BD31-4B8C-83A1-F6EECF244321}">
-                <p14:modId xmlns:p14="http://schemas.microsoft.com/office/powerpoint/2010/main" val="131112580"/>
+                <p14:modId xmlns:p14="http://schemas.microsoft.com/office/powerpoint/2010/main" val="933328116"/>
               </p:ext>
             </p:extLst>
           </p:nvPr>
@@ -3012,11 +2991,41 @@
                 <a:tableStyleId>{5C22544A-7EE6-4342-B048-85BDC9FD1C3A}</a:tableStyleId>
               </a:tblPr>
               <a:tblGrid>
-                <a:gridCol w="901522"/>
-                <a:gridCol w="901522"/>
-                <a:gridCol w="901522"/>
-                <a:gridCol w="901522"/>
-                <a:gridCol w="901522"/>
+                <a:gridCol w="901522">
+                  <a:extLst>
+                    <a:ext uri="{9D8B030D-6E8A-4147-A177-3AD203B41FA5}">
+                      <a16:colId xmlns:a16="http://schemas.microsoft.com/office/drawing/2014/main" val="20000"/>
+                    </a:ext>
+                  </a:extLst>
+                </a:gridCol>
+                <a:gridCol w="901522">
+                  <a:extLst>
+                    <a:ext uri="{9D8B030D-6E8A-4147-A177-3AD203B41FA5}">
+                      <a16:colId xmlns:a16="http://schemas.microsoft.com/office/drawing/2014/main" val="20001"/>
+                    </a:ext>
+                  </a:extLst>
+                </a:gridCol>
+                <a:gridCol w="901522">
+                  <a:extLst>
+                    <a:ext uri="{9D8B030D-6E8A-4147-A177-3AD203B41FA5}">
+                      <a16:colId xmlns:a16="http://schemas.microsoft.com/office/drawing/2014/main" val="20002"/>
+                    </a:ext>
+                  </a:extLst>
+                </a:gridCol>
+                <a:gridCol w="901522">
+                  <a:extLst>
+                    <a:ext uri="{9D8B030D-6E8A-4147-A177-3AD203B41FA5}">
+                      <a16:colId xmlns:a16="http://schemas.microsoft.com/office/drawing/2014/main" val="20003"/>
+                    </a:ext>
+                  </a:extLst>
+                </a:gridCol>
+                <a:gridCol w="901522">
+                  <a:extLst>
+                    <a:ext uri="{9D8B030D-6E8A-4147-A177-3AD203B41FA5}">
+                      <a16:colId xmlns:a16="http://schemas.microsoft.com/office/drawing/2014/main" val="20004"/>
+                    </a:ext>
+                  </a:extLst>
+                </a:gridCol>
               </a:tblGrid>
               <a:tr h="613987">
                 <a:tc>
@@ -3026,18 +3035,13 @@
                     <a:p>
                       <a:pPr algn="ctr"/>
                       <a:r>
-                        <a:rPr lang="en-US" sz="3200" dirty="0" smtClean="0">
+                        <a:rPr lang="en-US" sz="3200" dirty="0">
                           <a:solidFill>
                             <a:srgbClr val="00B050"/>
                           </a:solidFill>
                         </a:rPr>
                         <a:t>A</a:t>
                       </a:r>
-                      <a:endParaRPr lang="en-US" sz="3200" dirty="0">
-                        <a:solidFill>
-                          <a:srgbClr val="00B050"/>
-                        </a:solidFill>
-                      </a:endParaRPr>
                     </a:p>
                   </a:txBody>
                   <a:tcPr>
@@ -3342,6 +3346,11 @@
                     </a:solidFill>
                   </a:tcPr>
                 </a:tc>
+                <a:extLst>
+                  <a:ext uri="{0D108BD9-81ED-4DB2-BD59-A6C34878D82A}">
+                    <a16:rowId xmlns:a16="http://schemas.microsoft.com/office/drawing/2014/main" val="10000"/>
+                  </a:ext>
+                </a:extLst>
               </a:tr>
             </a:tbl>
           </a:graphicData>
@@ -3356,7 +3365,7 @@
         <p:spPr>
           <a:xfrm>
             <a:off x="1023070" y="1094876"/>
-            <a:ext cx="1545461" cy="584775"/>
+            <a:ext cx="1799236" cy="584775"/>
           </a:xfrm>
           <a:prstGeom prst="rect">
             <a:avLst/>
@@ -3370,7 +3379,7 @@
           <a:lstStyle/>
           <a:p>
             <a:r>
-              <a:rPr lang="en-US" sz="3200" dirty="0" smtClean="0"/>
+              <a:rPr lang="en-US" sz="3200" dirty="0"/>
               <a:t>Insert </a:t>
             </a:r>
             <a:r>
@@ -3381,11 +3390,6 @@
               </a:rPr>
               <a:t>A</a:t>
             </a:r>
-            <a:endParaRPr lang="en-US" sz="3200" dirty="0" smtClean="0">
-              <a:solidFill>
-                <a:srgbClr val="00B050"/>
-              </a:solidFill>
-            </a:endParaRPr>
           </a:p>
         </p:txBody>
       </p:sp>
@@ -3393,6 +3397,7 @@
         <p:nvCxnSpPr>
           <p:cNvPr id="5" name="Straight Arrow Connector 4"/>
           <p:cNvCxnSpPr>
+            <a:cxnSpLocks/>
             <a:stCxn id="3" idx="3"/>
             <a:endCxn id="7" idx="1"/>
           </p:cNvCxnSpPr>
@@ -3400,8 +3405,8 @@
         </p:nvCxnSpPr>
         <p:spPr>
           <a:xfrm>
-            <a:off x="2568531" y="1387264"/>
-            <a:ext cx="1209048" cy="0"/>
+            <a:off x="2822306" y="1387264"/>
+            <a:ext cx="955273" cy="0"/>
           </a:xfrm>
           <a:prstGeom prst="straightConnector1">
             <a:avLst/>
@@ -3437,7 +3442,7 @@
         <p:spPr>
           <a:xfrm>
             <a:off x="3777579" y="1094876"/>
-            <a:ext cx="2229317" cy="584776"/>
+            <a:ext cx="2718224" cy="584776"/>
           </a:xfrm>
           <a:prstGeom prst="rect">
             <a:avLst/>
@@ -3451,15 +3456,15 @@
           <a:lstStyle/>
           <a:p>
             <a:r>
-              <a:rPr lang="en-US" sz="3200" i="1" dirty="0" smtClean="0"/>
+              <a:rPr lang="en-US" sz="3200" i="1" dirty="0"/>
               <a:t>H</a:t>
             </a:r>
             <a:r>
-              <a:rPr lang="en-US" sz="3200" dirty="0" smtClean="0"/>
+              <a:rPr lang="en-US" sz="3200" dirty="0"/>
               <a:t>(</a:t>
             </a:r>
             <a:r>
-              <a:rPr lang="en-US" sz="3200" dirty="0" smtClean="0">
+              <a:rPr lang="en-US" sz="3200" dirty="0">
                 <a:solidFill>
                   <a:srgbClr val="00B050"/>
                 </a:solidFill>
@@ -3467,7 +3472,7 @@
               <a:t>A</a:t>
             </a:r>
             <a:r>
-              <a:rPr lang="en-US" sz="3200" dirty="0" smtClean="0">
+              <a:rPr lang="en-US" sz="3200" dirty="0">
                 <a:solidFill>
                   <a:srgbClr val="000000"/>
                 </a:solidFill>
@@ -3483,18 +3488,13 @@
               <a:t>A</a:t>
             </a:r>
             <a:r>
-              <a:rPr lang="en-US" sz="3200" dirty="0" smtClean="0">
+              <a:rPr lang="en-US" sz="3200" dirty="0">
                 <a:solidFill>
                   <a:srgbClr val="000000"/>
                 </a:solidFill>
               </a:rPr>
               <a:t> % 5 </a:t>
             </a:r>
-            <a:endParaRPr lang="en-US" sz="3200" dirty="0">
-              <a:solidFill>
-                <a:srgbClr val="000000"/>
-              </a:solidFill>
-            </a:endParaRPr>
           </a:p>
         </p:txBody>
       </p:sp>
@@ -3502,6 +3502,7 @@
         <p:nvCxnSpPr>
           <p:cNvPr id="8" name="Straight Arrow Connector 7"/>
           <p:cNvCxnSpPr>
+            <a:cxnSpLocks/>
             <a:stCxn id="7" idx="2"/>
             <a:endCxn id="9" idx="0"/>
           </p:cNvCxnSpPr>
@@ -3509,8 +3510,8 @@
         </p:nvCxnSpPr>
         <p:spPr>
           <a:xfrm flipH="1">
-            <a:off x="2658055" y="1679652"/>
-            <a:ext cx="2234183" cy="1037517"/>
+            <a:off x="2822306" y="1679652"/>
+            <a:ext cx="2314385" cy="1037517"/>
           </a:xfrm>
           <a:prstGeom prst="straightConnector1">
             <a:avLst/>
@@ -3545,8 +3546,8 @@
         </p:nvSpPr>
         <p:spPr>
           <a:xfrm>
-            <a:off x="1025112" y="2717169"/>
-            <a:ext cx="3265886" cy="584776"/>
+            <a:off x="1025111" y="2717169"/>
+            <a:ext cx="3594389" cy="584776"/>
           </a:xfrm>
           <a:prstGeom prst="rect">
             <a:avLst/>
@@ -3560,15 +3561,15 @@
           <a:lstStyle/>
           <a:p>
             <a:r>
-              <a:rPr lang="en-US" sz="3200" i="1" dirty="0" smtClean="0"/>
+              <a:rPr lang="en-US" sz="3200" i="1" dirty="0"/>
               <a:t>H</a:t>
             </a:r>
             <a:r>
-              <a:rPr lang="en-US" sz="3200" dirty="0" smtClean="0"/>
+              <a:rPr lang="en-US" sz="3200" dirty="0"/>
               <a:t>(</a:t>
             </a:r>
             <a:r>
-              <a:rPr lang="en-US" sz="3200" dirty="0" smtClean="0">
+              <a:rPr lang="en-US" sz="3200" dirty="0">
                 <a:solidFill>
                   <a:srgbClr val="00B050"/>
                 </a:solidFill>
@@ -3576,18 +3577,13 @@
               <a:t>A</a:t>
             </a:r>
             <a:r>
-              <a:rPr lang="en-US" sz="3200" dirty="0" smtClean="0">
+              <a:rPr lang="en-US" sz="3200" dirty="0">
                 <a:solidFill>
                   <a:srgbClr val="000000"/>
                 </a:solidFill>
               </a:rPr>
               <a:t>) = 65 % 5 = 0 </a:t>
             </a:r>
-            <a:endParaRPr lang="en-US" sz="3200" dirty="0">
-              <a:solidFill>
-                <a:srgbClr val="000000"/>
-              </a:solidFill>
-            </a:endParaRPr>
           </a:p>
         </p:txBody>
       </p:sp>
@@ -3595,14 +3591,15 @@
         <p:nvCxnSpPr>
           <p:cNvPr id="16" name="Straight Arrow Connector 15"/>
           <p:cNvCxnSpPr>
+            <a:cxnSpLocks/>
             <a:stCxn id="9" idx="3"/>
           </p:cNvCxnSpPr>
           <p:nvPr/>
         </p:nvCxnSpPr>
         <p:spPr>
           <a:xfrm>
-            <a:off x="4290998" y="3009557"/>
-            <a:ext cx="972980" cy="0"/>
+            <a:off x="4619500" y="3009557"/>
+            <a:ext cx="644478" cy="0"/>
           </a:xfrm>
           <a:prstGeom prst="straightConnector1">
             <a:avLst/>
@@ -3638,7 +3635,7 @@
           <p:nvPr>
             <p:extLst>
               <p:ext uri="{D42A27DB-BD31-4B8C-83A1-F6EECF244321}">
-                <p14:modId xmlns:p14="http://schemas.microsoft.com/office/powerpoint/2010/main" val="290910238"/>
+                <p14:modId xmlns:p14="http://schemas.microsoft.com/office/powerpoint/2010/main" val="209852882"/>
               </p:ext>
             </p:extLst>
           </p:nvPr>
@@ -3654,11 +3651,41 @@
                 <a:tableStyleId>{2D5ABB26-0587-4C30-8999-92F81FD0307C}</a:tableStyleId>
               </a:tblPr>
               <a:tblGrid>
-                <a:gridCol w="901522"/>
-                <a:gridCol w="901522"/>
-                <a:gridCol w="901522"/>
-                <a:gridCol w="901522"/>
-                <a:gridCol w="901522"/>
+                <a:gridCol w="901522">
+                  <a:extLst>
+                    <a:ext uri="{9D8B030D-6E8A-4147-A177-3AD203B41FA5}">
+                      <a16:colId xmlns:a16="http://schemas.microsoft.com/office/drawing/2014/main" val="20000"/>
+                    </a:ext>
+                  </a:extLst>
+                </a:gridCol>
+                <a:gridCol w="901522">
+                  <a:extLst>
+                    <a:ext uri="{9D8B030D-6E8A-4147-A177-3AD203B41FA5}">
+                      <a16:colId xmlns:a16="http://schemas.microsoft.com/office/drawing/2014/main" val="20001"/>
+                    </a:ext>
+                  </a:extLst>
+                </a:gridCol>
+                <a:gridCol w="901522">
+                  <a:extLst>
+                    <a:ext uri="{9D8B030D-6E8A-4147-A177-3AD203B41FA5}">
+                      <a16:colId xmlns:a16="http://schemas.microsoft.com/office/drawing/2014/main" val="20002"/>
+                    </a:ext>
+                  </a:extLst>
+                </a:gridCol>
+                <a:gridCol w="901522">
+                  <a:extLst>
+                    <a:ext uri="{9D8B030D-6E8A-4147-A177-3AD203B41FA5}">
+                      <a16:colId xmlns:a16="http://schemas.microsoft.com/office/drawing/2014/main" val="20003"/>
+                    </a:ext>
+                  </a:extLst>
+                </a:gridCol>
+                <a:gridCol w="901522">
+                  <a:extLst>
+                    <a:ext uri="{9D8B030D-6E8A-4147-A177-3AD203B41FA5}">
+                      <a16:colId xmlns:a16="http://schemas.microsoft.com/office/drawing/2014/main" val="20004"/>
+                    </a:ext>
+                  </a:extLst>
+                </a:gridCol>
               </a:tblGrid>
               <a:tr h="613987">
                 <a:tc>
@@ -3668,7 +3695,7 @@
                     <a:p>
                       <a:pPr algn="ctr"/>
                       <a:r>
-                        <a:rPr lang="en-US" sz="3200" dirty="0" smtClean="0"/>
+                        <a:rPr lang="en-US" sz="3200" dirty="0"/>
                         <a:t>0</a:t>
                       </a:r>
                       <a:endParaRPr lang="en-US" sz="3200" dirty="0">
@@ -3687,7 +3714,7 @@
                     <a:p>
                       <a:pPr algn="ctr"/>
                       <a:r>
-                        <a:rPr lang="en-US" sz="3200" dirty="0" smtClean="0"/>
+                        <a:rPr lang="en-US" sz="3200" dirty="0"/>
                         <a:t>1</a:t>
                       </a:r>
                       <a:endParaRPr lang="en-US" sz="3200" dirty="0">
@@ -3706,7 +3733,7 @@
                     <a:p>
                       <a:pPr algn="ctr"/>
                       <a:r>
-                        <a:rPr lang="en-US" sz="3200" dirty="0" smtClean="0"/>
+                        <a:rPr lang="en-US" sz="3200" dirty="0"/>
                         <a:t>2</a:t>
                       </a:r>
                       <a:endParaRPr lang="en-US" sz="3200" dirty="0">
@@ -3725,7 +3752,7 @@
                     <a:p>
                       <a:pPr algn="ctr"/>
                       <a:r>
-                        <a:rPr lang="en-US" sz="3200" dirty="0" smtClean="0"/>
+                        <a:rPr lang="en-US" sz="3200" dirty="0"/>
                         <a:t>3</a:t>
                       </a:r>
                       <a:endParaRPr lang="en-US" sz="3200" dirty="0">
@@ -3744,7 +3771,7 @@
                     <a:p>
                       <a:pPr algn="ctr"/>
                       <a:r>
-                        <a:rPr lang="en-US" sz="3200" dirty="0" smtClean="0"/>
+                        <a:rPr lang="en-US" sz="3200" dirty="0"/>
                         <a:t>4</a:t>
                       </a:r>
                       <a:endParaRPr lang="en-US" sz="3200" dirty="0">
@@ -3756,6 +3783,11 @@
                   </a:txBody>
                   <a:tcPr/>
                 </a:tc>
+                <a:extLst>
+                  <a:ext uri="{0D108BD9-81ED-4DB2-BD59-A6C34878D82A}">
+                    <a16:rowId xmlns:a16="http://schemas.microsoft.com/office/drawing/2014/main" val="10000"/>
+                  </a:ext>
+                </a:extLst>
               </a:tr>
             </a:tbl>
           </a:graphicData>
@@ -3800,7 +3832,7 @@
           <p:nvPr>
             <p:extLst>
               <p:ext uri="{D42A27DB-BD31-4B8C-83A1-F6EECF244321}">
-                <p14:modId xmlns:p14="http://schemas.microsoft.com/office/powerpoint/2010/main" val="2136359536"/>
+                <p14:modId xmlns:p14="http://schemas.microsoft.com/office/powerpoint/2010/main" val="2539024510"/>
               </p:ext>
             </p:extLst>
           </p:nvPr>
@@ -3816,11 +3848,41 @@
                 <a:tableStyleId>{5C22544A-7EE6-4342-B048-85BDC9FD1C3A}</a:tableStyleId>
               </a:tblPr>
               <a:tblGrid>
-                <a:gridCol w="901522"/>
-                <a:gridCol w="901522"/>
-                <a:gridCol w="901522"/>
-                <a:gridCol w="901522"/>
-                <a:gridCol w="901522"/>
+                <a:gridCol w="901522">
+                  <a:extLst>
+                    <a:ext uri="{9D8B030D-6E8A-4147-A177-3AD203B41FA5}">
+                      <a16:colId xmlns:a16="http://schemas.microsoft.com/office/drawing/2014/main" val="20000"/>
+                    </a:ext>
+                  </a:extLst>
+                </a:gridCol>
+                <a:gridCol w="901522">
+                  <a:extLst>
+                    <a:ext uri="{9D8B030D-6E8A-4147-A177-3AD203B41FA5}">
+                      <a16:colId xmlns:a16="http://schemas.microsoft.com/office/drawing/2014/main" val="20001"/>
+                    </a:ext>
+                  </a:extLst>
+                </a:gridCol>
+                <a:gridCol w="901522">
+                  <a:extLst>
+                    <a:ext uri="{9D8B030D-6E8A-4147-A177-3AD203B41FA5}">
+                      <a16:colId xmlns:a16="http://schemas.microsoft.com/office/drawing/2014/main" val="20002"/>
+                    </a:ext>
+                  </a:extLst>
+                </a:gridCol>
+                <a:gridCol w="901522">
+                  <a:extLst>
+                    <a:ext uri="{9D8B030D-6E8A-4147-A177-3AD203B41FA5}">
+                      <a16:colId xmlns:a16="http://schemas.microsoft.com/office/drawing/2014/main" val="20003"/>
+                    </a:ext>
+                  </a:extLst>
+                </a:gridCol>
+                <a:gridCol w="901522">
+                  <a:extLst>
+                    <a:ext uri="{9D8B030D-6E8A-4147-A177-3AD203B41FA5}">
+                      <a16:colId xmlns:a16="http://schemas.microsoft.com/office/drawing/2014/main" val="20004"/>
+                    </a:ext>
+                  </a:extLst>
+                </a:gridCol>
               </a:tblGrid>
               <a:tr h="613987">
                 <a:tc>
@@ -3830,18 +3892,13 @@
                     <a:p>
                       <a:pPr algn="ctr"/>
                       <a:r>
-                        <a:rPr lang="en-US" sz="3200" dirty="0" smtClean="0">
+                        <a:rPr lang="en-US" sz="3200" dirty="0">
                           <a:solidFill>
                             <a:srgbClr val="00B050"/>
                           </a:solidFill>
                         </a:rPr>
                         <a:t>A</a:t>
                       </a:r>
-                      <a:endParaRPr lang="en-US" sz="3200" dirty="0">
-                        <a:solidFill>
-                          <a:srgbClr val="00B050"/>
-                        </a:solidFill>
-                      </a:endParaRPr>
                     </a:p>
                   </a:txBody>
                   <a:tcPr>
@@ -3901,18 +3958,13 @@
                     <a:p>
                       <a:pPr algn="ctr"/>
                       <a:r>
-                        <a:rPr lang="en-US" sz="3200" dirty="0" smtClean="0">
+                        <a:rPr lang="en-US" sz="3200" dirty="0">
                           <a:solidFill>
                             <a:schemeClr val="tx1"/>
                           </a:solidFill>
                         </a:rPr>
                         <a:t>B</a:t>
                       </a:r>
-                      <a:endParaRPr lang="en-US" sz="3200" dirty="0">
-                        <a:solidFill>
-                          <a:schemeClr val="tx1"/>
-                        </a:solidFill>
-                      </a:endParaRPr>
                     </a:p>
                   </a:txBody>
                   <a:tcPr>
@@ -3972,18 +4024,13 @@
                     <a:p>
                       <a:pPr algn="ctr"/>
                       <a:r>
-                        <a:rPr lang="en-US" sz="3200" dirty="0" smtClean="0">
+                        <a:rPr lang="en-US" sz="3200" dirty="0">
                           <a:solidFill>
                             <a:schemeClr val="tx1"/>
                           </a:solidFill>
                         </a:rPr>
                         <a:t>H</a:t>
                       </a:r>
-                      <a:endParaRPr lang="en-US" sz="3200" dirty="0">
-                        <a:solidFill>
-                          <a:schemeClr val="tx1"/>
-                        </a:solidFill>
-                      </a:endParaRPr>
                     </a:p>
                   </a:txBody>
                   <a:tcPr>
@@ -4043,18 +4090,13 @@
                     <a:p>
                       <a:pPr algn="ctr"/>
                       <a:r>
-                        <a:rPr lang="en-US" sz="3200" dirty="0" smtClean="0">
+                        <a:rPr lang="en-US" sz="3200" dirty="0">
                           <a:solidFill>
                             <a:schemeClr val="tx1"/>
                           </a:solidFill>
                         </a:rPr>
                         <a:t>D</a:t>
                       </a:r>
-                      <a:endParaRPr lang="en-US" sz="3200" dirty="0">
-                        <a:solidFill>
-                          <a:schemeClr val="tx1"/>
-                        </a:solidFill>
-                      </a:endParaRPr>
                     </a:p>
                   </a:txBody>
                   <a:tcPr>
@@ -4170,6 +4212,11 @@
                     </a:solidFill>
                   </a:tcPr>
                 </a:tc>
+                <a:extLst>
+                  <a:ext uri="{0D108BD9-81ED-4DB2-BD59-A6C34878D82A}">
+                    <a16:rowId xmlns:a16="http://schemas.microsoft.com/office/drawing/2014/main" val="10000"/>
+                  </a:ext>
+                </a:extLst>
               </a:tr>
             </a:tbl>
           </a:graphicData>
@@ -4198,22 +4245,17 @@
           <a:lstStyle/>
           <a:p>
             <a:r>
-              <a:rPr lang="en-US" sz="3200" dirty="0" smtClean="0"/>
+              <a:rPr lang="en-US" sz="3200" dirty="0"/>
               <a:t>Find </a:t>
             </a:r>
             <a:r>
-              <a:rPr lang="en-US" sz="3200" dirty="0" smtClean="0">
+              <a:rPr lang="en-US" sz="3200" dirty="0">
                 <a:solidFill>
                   <a:srgbClr val="00B050"/>
                 </a:solidFill>
               </a:rPr>
               <a:t>A</a:t>
             </a:r>
-            <a:endParaRPr lang="en-US" sz="3200" dirty="0" smtClean="0">
-              <a:solidFill>
-                <a:srgbClr val="00B050"/>
-              </a:solidFill>
-            </a:endParaRPr>
           </a:p>
         </p:txBody>
       </p:sp>
@@ -4221,6 +4263,7 @@
         <p:nvCxnSpPr>
           <p:cNvPr id="5" name="Straight Arrow Connector 4"/>
           <p:cNvCxnSpPr>
+            <a:cxnSpLocks/>
             <a:stCxn id="3" idx="3"/>
             <a:endCxn id="7" idx="1"/>
           </p:cNvCxnSpPr>
@@ -4265,7 +4308,7 @@
         <p:spPr>
           <a:xfrm>
             <a:off x="4148281" y="1453222"/>
-            <a:ext cx="2229317" cy="584776"/>
+            <a:ext cx="2549402" cy="584776"/>
           </a:xfrm>
           <a:prstGeom prst="rect">
             <a:avLst/>
@@ -4279,15 +4322,15 @@
           <a:lstStyle/>
           <a:p>
             <a:r>
-              <a:rPr lang="en-US" sz="3200" i="1" dirty="0" smtClean="0"/>
+              <a:rPr lang="en-US" sz="3200" i="1" dirty="0"/>
               <a:t>H</a:t>
             </a:r>
             <a:r>
-              <a:rPr lang="en-US" sz="3200" dirty="0" smtClean="0"/>
+              <a:rPr lang="en-US" sz="3200" dirty="0"/>
               <a:t>(</a:t>
             </a:r>
             <a:r>
-              <a:rPr lang="en-US" sz="3200" dirty="0" smtClean="0">
+              <a:rPr lang="en-US" sz="3200" dirty="0">
                 <a:solidFill>
                   <a:srgbClr val="00B050"/>
                 </a:solidFill>
@@ -4295,7 +4338,7 @@
               <a:t>A</a:t>
             </a:r>
             <a:r>
-              <a:rPr lang="en-US" sz="3200" dirty="0" smtClean="0">
+              <a:rPr lang="en-US" sz="3200" dirty="0">
                 <a:solidFill>
                   <a:srgbClr val="000000"/>
                 </a:solidFill>
@@ -4311,18 +4354,13 @@
               <a:t>A</a:t>
             </a:r>
             <a:r>
-              <a:rPr lang="en-US" sz="3200" dirty="0" smtClean="0">
+              <a:rPr lang="en-US" sz="3200" dirty="0">
                 <a:solidFill>
                   <a:srgbClr val="000000"/>
                 </a:solidFill>
               </a:rPr>
               <a:t> % 5 </a:t>
             </a:r>
-            <a:endParaRPr lang="en-US" sz="3200" dirty="0">
-              <a:solidFill>
-                <a:srgbClr val="000000"/>
-              </a:solidFill>
-            </a:endParaRPr>
           </a:p>
         </p:txBody>
       </p:sp>
@@ -4330,6 +4368,7 @@
         <p:nvCxnSpPr>
           <p:cNvPr id="8" name="Straight Arrow Connector 7"/>
           <p:cNvCxnSpPr>
+            <a:cxnSpLocks/>
             <a:stCxn id="7" idx="2"/>
             <a:endCxn id="9" idx="0"/>
           </p:cNvCxnSpPr>
@@ -4337,8 +4376,8 @@
         </p:nvCxnSpPr>
         <p:spPr>
           <a:xfrm flipH="1">
-            <a:off x="3028757" y="2037998"/>
-            <a:ext cx="2234183" cy="1037517"/>
+            <a:off x="3156099" y="2037998"/>
+            <a:ext cx="2266883" cy="1037517"/>
           </a:xfrm>
           <a:prstGeom prst="straightConnector1">
             <a:avLst/>
@@ -4374,7 +4413,7 @@
         <p:spPr>
           <a:xfrm>
             <a:off x="1395814" y="3075515"/>
-            <a:ext cx="3265886" cy="584776"/>
+            <a:ext cx="3520570" cy="584776"/>
           </a:xfrm>
           <a:prstGeom prst="rect">
             <a:avLst/>
@@ -4388,15 +4427,15 @@
           <a:lstStyle/>
           <a:p>
             <a:r>
-              <a:rPr lang="en-US" sz="3200" i="1" dirty="0" smtClean="0"/>
+              <a:rPr lang="en-US" sz="3200" i="1" dirty="0"/>
               <a:t>H</a:t>
             </a:r>
             <a:r>
-              <a:rPr lang="en-US" sz="3200" dirty="0" smtClean="0"/>
+              <a:rPr lang="en-US" sz="3200" dirty="0"/>
               <a:t>(</a:t>
             </a:r>
             <a:r>
-              <a:rPr lang="en-US" sz="3200" dirty="0" smtClean="0">
+              <a:rPr lang="en-US" sz="3200" dirty="0">
                 <a:solidFill>
                   <a:srgbClr val="00B050"/>
                 </a:solidFill>
@@ -4404,18 +4443,13 @@
               <a:t>A</a:t>
             </a:r>
             <a:r>
-              <a:rPr lang="en-US" sz="3200" dirty="0" smtClean="0">
+              <a:rPr lang="en-US" sz="3200" dirty="0">
                 <a:solidFill>
                   <a:srgbClr val="000000"/>
                 </a:solidFill>
               </a:rPr>
               <a:t>) = 65 % 5 = 0 </a:t>
             </a:r>
-            <a:endParaRPr lang="en-US" sz="3200" dirty="0">
-              <a:solidFill>
-                <a:srgbClr val="000000"/>
-              </a:solidFill>
-            </a:endParaRPr>
           </a:p>
         </p:txBody>
       </p:sp>
@@ -4423,14 +4457,15 @@
         <p:nvCxnSpPr>
           <p:cNvPr id="16" name="Straight Arrow Connector 15"/>
           <p:cNvCxnSpPr>
+            <a:cxnSpLocks/>
             <a:stCxn id="9" idx="3"/>
           </p:cNvCxnSpPr>
           <p:nvPr/>
         </p:nvCxnSpPr>
         <p:spPr>
           <a:xfrm>
-            <a:off x="4661700" y="3367903"/>
-            <a:ext cx="972980" cy="0"/>
+            <a:off x="4916384" y="3367903"/>
+            <a:ext cx="718296" cy="0"/>
           </a:xfrm>
           <a:prstGeom prst="straightConnector1">
             <a:avLst/>
@@ -4466,7 +4501,7 @@
           <p:nvPr>
             <p:extLst>
               <p:ext uri="{D42A27DB-BD31-4B8C-83A1-F6EECF244321}">
-                <p14:modId xmlns:p14="http://schemas.microsoft.com/office/powerpoint/2010/main" val="2015627359"/>
+                <p14:modId xmlns:p14="http://schemas.microsoft.com/office/powerpoint/2010/main" val="2137423673"/>
               </p:ext>
             </p:extLst>
           </p:nvPr>
@@ -4482,11 +4517,41 @@
                 <a:tableStyleId>{2D5ABB26-0587-4C30-8999-92F81FD0307C}</a:tableStyleId>
               </a:tblPr>
               <a:tblGrid>
-                <a:gridCol w="901522"/>
-                <a:gridCol w="901522"/>
-                <a:gridCol w="901522"/>
-                <a:gridCol w="901522"/>
-                <a:gridCol w="901522"/>
+                <a:gridCol w="901522">
+                  <a:extLst>
+                    <a:ext uri="{9D8B030D-6E8A-4147-A177-3AD203B41FA5}">
+                      <a16:colId xmlns:a16="http://schemas.microsoft.com/office/drawing/2014/main" val="20000"/>
+                    </a:ext>
+                  </a:extLst>
+                </a:gridCol>
+                <a:gridCol w="901522">
+                  <a:extLst>
+                    <a:ext uri="{9D8B030D-6E8A-4147-A177-3AD203B41FA5}">
+                      <a16:colId xmlns:a16="http://schemas.microsoft.com/office/drawing/2014/main" val="20001"/>
+                    </a:ext>
+                  </a:extLst>
+                </a:gridCol>
+                <a:gridCol w="901522">
+                  <a:extLst>
+                    <a:ext uri="{9D8B030D-6E8A-4147-A177-3AD203B41FA5}">
+                      <a16:colId xmlns:a16="http://schemas.microsoft.com/office/drawing/2014/main" val="20002"/>
+                    </a:ext>
+                  </a:extLst>
+                </a:gridCol>
+                <a:gridCol w="901522">
+                  <a:extLst>
+                    <a:ext uri="{9D8B030D-6E8A-4147-A177-3AD203B41FA5}">
+                      <a16:colId xmlns:a16="http://schemas.microsoft.com/office/drawing/2014/main" val="20003"/>
+                    </a:ext>
+                  </a:extLst>
+                </a:gridCol>
+                <a:gridCol w="901522">
+                  <a:extLst>
+                    <a:ext uri="{9D8B030D-6E8A-4147-A177-3AD203B41FA5}">
+                      <a16:colId xmlns:a16="http://schemas.microsoft.com/office/drawing/2014/main" val="20004"/>
+                    </a:ext>
+                  </a:extLst>
+                </a:gridCol>
               </a:tblGrid>
               <a:tr h="613987">
                 <a:tc>
@@ -4496,7 +4561,7 @@
                     <a:p>
                       <a:pPr algn="ctr"/>
                       <a:r>
-                        <a:rPr lang="en-US" sz="3200" dirty="0" smtClean="0"/>
+                        <a:rPr lang="en-US" sz="3200" dirty="0"/>
                         <a:t>0</a:t>
                       </a:r>
                       <a:endParaRPr lang="en-US" sz="3200" dirty="0">
@@ -4515,7 +4580,7 @@
                     <a:p>
                       <a:pPr algn="ctr"/>
                       <a:r>
-                        <a:rPr lang="en-US" sz="3200" dirty="0" smtClean="0"/>
+                        <a:rPr lang="en-US" sz="3200" dirty="0"/>
                         <a:t>1</a:t>
                       </a:r>
                       <a:endParaRPr lang="en-US" sz="3200" dirty="0">
@@ -4534,7 +4599,7 @@
                     <a:p>
                       <a:pPr algn="ctr"/>
                       <a:r>
-                        <a:rPr lang="en-US" sz="3200" dirty="0" smtClean="0"/>
+                        <a:rPr lang="en-US" sz="3200" dirty="0"/>
                         <a:t>2</a:t>
                       </a:r>
                       <a:endParaRPr lang="en-US" sz="3200" dirty="0">
@@ -4553,7 +4618,7 @@
                     <a:p>
                       <a:pPr algn="ctr"/>
                       <a:r>
-                        <a:rPr lang="en-US" sz="3200" dirty="0" smtClean="0"/>
+                        <a:rPr lang="en-US" sz="3200" dirty="0"/>
                         <a:t>3</a:t>
                       </a:r>
                       <a:endParaRPr lang="en-US" sz="3200" dirty="0">
@@ -4572,7 +4637,7 @@
                     <a:p>
                       <a:pPr algn="ctr"/>
                       <a:r>
-                        <a:rPr lang="en-US" sz="3200" dirty="0" smtClean="0"/>
+                        <a:rPr lang="en-US" sz="3200" dirty="0"/>
                         <a:t>4</a:t>
                       </a:r>
                       <a:endParaRPr lang="en-US" sz="3200" dirty="0">
@@ -4584,6 +4649,11 @@
                   </a:txBody>
                   <a:tcPr/>
                 </a:tc>
+                <a:extLst>
+                  <a:ext uri="{0D108BD9-81ED-4DB2-BD59-A6C34878D82A}">
+                    <a16:rowId xmlns:a16="http://schemas.microsoft.com/office/drawing/2014/main" val="10000"/>
+                  </a:ext>
+                </a:extLst>
               </a:tr>
             </a:tbl>
           </a:graphicData>
@@ -4628,7 +4698,7 @@
           <p:nvPr>
             <p:extLst>
               <p:ext uri="{D42A27DB-BD31-4B8C-83A1-F6EECF244321}">
-                <p14:modId xmlns:p14="http://schemas.microsoft.com/office/powerpoint/2010/main" val="244520384"/>
+                <p14:modId xmlns:p14="http://schemas.microsoft.com/office/powerpoint/2010/main" val="2437271907"/>
               </p:ext>
             </p:extLst>
           </p:nvPr>
@@ -4644,11 +4714,41 @@
                 <a:tableStyleId>{5C22544A-7EE6-4342-B048-85BDC9FD1C3A}</a:tableStyleId>
               </a:tblPr>
               <a:tblGrid>
-                <a:gridCol w="901522"/>
-                <a:gridCol w="901522"/>
-                <a:gridCol w="901522"/>
-                <a:gridCol w="901522"/>
-                <a:gridCol w="901522"/>
+                <a:gridCol w="901522">
+                  <a:extLst>
+                    <a:ext uri="{9D8B030D-6E8A-4147-A177-3AD203B41FA5}">
+                      <a16:colId xmlns:a16="http://schemas.microsoft.com/office/drawing/2014/main" val="20000"/>
+                    </a:ext>
+                  </a:extLst>
+                </a:gridCol>
+                <a:gridCol w="901522">
+                  <a:extLst>
+                    <a:ext uri="{9D8B030D-6E8A-4147-A177-3AD203B41FA5}">
+                      <a16:colId xmlns:a16="http://schemas.microsoft.com/office/drawing/2014/main" val="20001"/>
+                    </a:ext>
+                  </a:extLst>
+                </a:gridCol>
+                <a:gridCol w="901522">
+                  <a:extLst>
+                    <a:ext uri="{9D8B030D-6E8A-4147-A177-3AD203B41FA5}">
+                      <a16:colId xmlns:a16="http://schemas.microsoft.com/office/drawing/2014/main" val="20002"/>
+                    </a:ext>
+                  </a:extLst>
+                </a:gridCol>
+                <a:gridCol w="901522">
+                  <a:extLst>
+                    <a:ext uri="{9D8B030D-6E8A-4147-A177-3AD203B41FA5}">
+                      <a16:colId xmlns:a16="http://schemas.microsoft.com/office/drawing/2014/main" val="20003"/>
+                    </a:ext>
+                  </a:extLst>
+                </a:gridCol>
+                <a:gridCol w="901522">
+                  <a:extLst>
+                    <a:ext uri="{9D8B030D-6E8A-4147-A177-3AD203B41FA5}">
+                      <a16:colId xmlns:a16="http://schemas.microsoft.com/office/drawing/2014/main" val="20004"/>
+                    </a:ext>
+                  </a:extLst>
+                </a:gridCol>
               </a:tblGrid>
               <a:tr h="613987">
                 <a:tc>
@@ -4658,18 +4758,13 @@
                     <a:p>
                       <a:pPr algn="ctr"/>
                       <a:r>
-                        <a:rPr lang="en-US" sz="3200" dirty="0" smtClean="0">
+                        <a:rPr lang="en-US" sz="3200" dirty="0">
                           <a:solidFill>
                             <a:schemeClr val="tx1"/>
                           </a:solidFill>
                         </a:rPr>
                         <a:t>A</a:t>
                       </a:r>
-                      <a:endParaRPr lang="en-US" sz="3200" dirty="0">
-                        <a:solidFill>
-                          <a:schemeClr val="tx1"/>
-                        </a:solidFill>
-                      </a:endParaRPr>
                     </a:p>
                   </a:txBody>
                   <a:tcPr>
@@ -4729,18 +4824,13 @@
                     <a:p>
                       <a:pPr algn="ctr"/>
                       <a:r>
-                        <a:rPr lang="en-US" sz="3200" dirty="0" smtClean="0">
+                        <a:rPr lang="en-US" sz="3200" dirty="0">
                           <a:solidFill>
                             <a:schemeClr val="tx1"/>
                           </a:solidFill>
                         </a:rPr>
                         <a:t>B</a:t>
                       </a:r>
-                      <a:endParaRPr lang="en-US" sz="3200" dirty="0">
-                        <a:solidFill>
-                          <a:schemeClr val="tx1"/>
-                        </a:solidFill>
-                      </a:endParaRPr>
                     </a:p>
                   </a:txBody>
                   <a:tcPr>
@@ -4800,18 +4890,13 @@
                     <a:p>
                       <a:pPr algn="ctr"/>
                       <a:r>
-                        <a:rPr lang="en-US" sz="3200" dirty="0" smtClean="0">
+                        <a:rPr lang="en-US" sz="3200" dirty="0">
                           <a:solidFill>
                             <a:schemeClr val="tx1"/>
                           </a:solidFill>
                         </a:rPr>
                         <a:t>H</a:t>
                       </a:r>
-                      <a:endParaRPr lang="en-US" sz="3200" dirty="0">
-                        <a:solidFill>
-                          <a:schemeClr val="tx1"/>
-                        </a:solidFill>
-                      </a:endParaRPr>
                     </a:p>
                   </a:txBody>
                   <a:tcPr>
@@ -4871,18 +4956,13 @@
                     <a:p>
                       <a:pPr algn="ctr"/>
                       <a:r>
-                        <a:rPr lang="en-US" sz="3200" dirty="0" smtClean="0">
+                        <a:rPr lang="en-US" sz="3200" dirty="0">
                           <a:solidFill>
                             <a:schemeClr val="tx1"/>
                           </a:solidFill>
                         </a:rPr>
                         <a:t>D</a:t>
                       </a:r>
-                      <a:endParaRPr lang="en-US" sz="3200" dirty="0">
-                        <a:solidFill>
-                          <a:schemeClr val="tx1"/>
-                        </a:solidFill>
-                      </a:endParaRPr>
                     </a:p>
                   </a:txBody>
                   <a:tcPr>
@@ -4998,6 +5078,11 @@
                     </a:solidFill>
                   </a:tcPr>
                 </a:tc>
+                <a:extLst>
+                  <a:ext uri="{0D108BD9-81ED-4DB2-BD59-A6C34878D82A}">
+                    <a16:rowId xmlns:a16="http://schemas.microsoft.com/office/drawing/2014/main" val="10000"/>
+                  </a:ext>
+                </a:extLst>
               </a:tr>
             </a:tbl>
           </a:graphicData>
@@ -5026,22 +5111,17 @@
           <a:lstStyle/>
           <a:p>
             <a:r>
-              <a:rPr lang="en-US" sz="3200" dirty="0" smtClean="0"/>
+              <a:rPr lang="en-US" sz="3200" dirty="0"/>
               <a:t>Find </a:t>
             </a:r>
             <a:r>
-              <a:rPr lang="en-US" sz="3200" dirty="0" smtClean="0">
+              <a:rPr lang="en-US" sz="3200" dirty="0">
                 <a:solidFill>
                   <a:srgbClr val="00B050"/>
                 </a:solidFill>
               </a:rPr>
               <a:t>E</a:t>
             </a:r>
-            <a:endParaRPr lang="en-US" sz="3200" dirty="0" smtClean="0">
-              <a:solidFill>
-                <a:srgbClr val="00B050"/>
-              </a:solidFill>
-            </a:endParaRPr>
           </a:p>
         </p:txBody>
       </p:sp>
@@ -5049,6 +5129,7 @@
         <p:nvCxnSpPr>
           <p:cNvPr id="5" name="Straight Arrow Connector 4"/>
           <p:cNvCxnSpPr>
+            <a:cxnSpLocks/>
             <a:stCxn id="3" idx="3"/>
             <a:endCxn id="7" idx="1"/>
           </p:cNvCxnSpPr>
@@ -5093,7 +5174,7 @@
         <p:spPr>
           <a:xfrm>
             <a:off x="4148281" y="1453222"/>
-            <a:ext cx="2229317" cy="584776"/>
+            <a:ext cx="2656280" cy="584776"/>
           </a:xfrm>
           <a:prstGeom prst="rect">
             <a:avLst/>
@@ -5107,15 +5188,15 @@
           <a:lstStyle/>
           <a:p>
             <a:r>
-              <a:rPr lang="en-US" sz="3200" i="1" dirty="0" smtClean="0"/>
+              <a:rPr lang="en-US" sz="3200" i="1" dirty="0"/>
               <a:t>H</a:t>
             </a:r>
             <a:r>
-              <a:rPr lang="en-US" sz="3200" dirty="0" smtClean="0"/>
+              <a:rPr lang="en-US" sz="3200" dirty="0"/>
               <a:t>(</a:t>
             </a:r>
             <a:r>
-              <a:rPr lang="en-US" sz="3200" dirty="0" smtClean="0">
+              <a:rPr lang="en-US" sz="3200" dirty="0">
                 <a:solidFill>
                   <a:srgbClr val="00B050"/>
                 </a:solidFill>
@@ -5123,23 +5204,15 @@
               <a:t>E</a:t>
             </a:r>
             <a:r>
-              <a:rPr lang="en-US" sz="3200" dirty="0" smtClean="0">
+              <a:rPr lang="en-US" sz="3200" dirty="0">
                 <a:solidFill>
                   <a:srgbClr val="000000"/>
                 </a:solidFill>
               </a:rPr>
-              <a:t>) </a:t>
+              <a:t>) = </a:t>
             </a:r>
             <a:r>
-              <a:rPr lang="en-US" sz="3200" dirty="0" smtClean="0">
-                <a:solidFill>
-                  <a:srgbClr val="000000"/>
-                </a:solidFill>
-              </a:rPr>
-              <a:t>= </a:t>
-            </a:r>
-            <a:r>
-              <a:rPr lang="en-US" sz="3200" dirty="0" smtClean="0">
+              <a:rPr lang="en-US" sz="3200" dirty="0">
                 <a:solidFill>
                   <a:srgbClr val="00B050"/>
                 </a:solidFill>
@@ -5147,26 +5220,13 @@
               <a:t>E</a:t>
             </a:r>
             <a:r>
-              <a:rPr lang="en-US" sz="3200" dirty="0" smtClean="0">
+              <a:rPr lang="en-US" sz="3200" dirty="0">
                 <a:solidFill>
                   <a:srgbClr val="000000"/>
                 </a:solidFill>
               </a:rPr>
-              <a:t> </a:t>
+              <a:t> % 5 </a:t>
             </a:r>
-            <a:r>
-              <a:rPr lang="en-US" sz="3200" dirty="0" smtClean="0">
-                <a:solidFill>
-                  <a:srgbClr val="000000"/>
-                </a:solidFill>
-              </a:rPr>
-              <a:t>% 5 </a:t>
-            </a:r>
-            <a:endParaRPr lang="en-US" sz="3200" dirty="0">
-              <a:solidFill>
-                <a:srgbClr val="000000"/>
-              </a:solidFill>
-            </a:endParaRPr>
           </a:p>
         </p:txBody>
       </p:sp>
@@ -5174,6 +5234,7 @@
         <p:nvCxnSpPr>
           <p:cNvPr id="8" name="Straight Arrow Connector 7"/>
           <p:cNvCxnSpPr>
+            <a:cxnSpLocks/>
             <a:stCxn id="7" idx="2"/>
             <a:endCxn id="9" idx="0"/>
           </p:cNvCxnSpPr>
@@ -5181,8 +5242,8 @@
         </p:nvCxnSpPr>
         <p:spPr>
           <a:xfrm flipH="1">
-            <a:off x="3028757" y="2037998"/>
-            <a:ext cx="2234183" cy="1037517"/>
+            <a:off x="3144224" y="2037998"/>
+            <a:ext cx="2332197" cy="1037517"/>
           </a:xfrm>
           <a:prstGeom prst="straightConnector1">
             <a:avLst/>
@@ -5218,7 +5279,7 @@
         <p:spPr>
           <a:xfrm>
             <a:off x="1395814" y="3075515"/>
-            <a:ext cx="3265886" cy="584776"/>
+            <a:ext cx="3496820" cy="584776"/>
           </a:xfrm>
           <a:prstGeom prst="rect">
             <a:avLst/>
@@ -5232,15 +5293,15 @@
           <a:lstStyle/>
           <a:p>
             <a:r>
-              <a:rPr lang="en-US" sz="3200" i="1" dirty="0" smtClean="0"/>
+              <a:rPr lang="en-US" sz="3200" i="1" dirty="0"/>
               <a:t>H</a:t>
             </a:r>
             <a:r>
-              <a:rPr lang="en-US" sz="3200" dirty="0" smtClean="0"/>
+              <a:rPr lang="en-US" sz="3200" dirty="0"/>
               <a:t>(</a:t>
             </a:r>
             <a:r>
-              <a:rPr lang="en-US" sz="3200" dirty="0" smtClean="0">
+              <a:rPr lang="en-US" sz="3200" dirty="0">
                 <a:solidFill>
                   <a:srgbClr val="00B050"/>
                 </a:solidFill>
@@ -5248,50 +5309,13 @@
               <a:t>E</a:t>
             </a:r>
             <a:r>
-              <a:rPr lang="en-US" sz="3200" dirty="0" smtClean="0">
+              <a:rPr lang="en-US" sz="3200" dirty="0">
                 <a:solidFill>
                   <a:srgbClr val="000000"/>
                 </a:solidFill>
               </a:rPr>
-              <a:t>) </a:t>
+              <a:t>) = 69 % 5 = 4 </a:t>
             </a:r>
-            <a:r>
-              <a:rPr lang="en-US" sz="3200" dirty="0" smtClean="0">
-                <a:solidFill>
-                  <a:srgbClr val="000000"/>
-                </a:solidFill>
-              </a:rPr>
-              <a:t>= </a:t>
-            </a:r>
-            <a:r>
-              <a:rPr lang="en-US" sz="3200" dirty="0" smtClean="0">
-                <a:solidFill>
-                  <a:srgbClr val="000000"/>
-                </a:solidFill>
-              </a:rPr>
-              <a:t>69 </a:t>
-            </a:r>
-            <a:r>
-              <a:rPr lang="en-US" sz="3200" dirty="0" smtClean="0">
-                <a:solidFill>
-                  <a:srgbClr val="000000"/>
-                </a:solidFill>
-              </a:rPr>
-              <a:t>% 5 = </a:t>
-            </a:r>
-            <a:r>
-              <a:rPr lang="en-US" sz="3200" dirty="0" smtClean="0">
-                <a:solidFill>
-                  <a:srgbClr val="000000"/>
-                </a:solidFill>
-              </a:rPr>
-              <a:t>4 </a:t>
-            </a:r>
-            <a:endParaRPr lang="en-US" sz="3200" dirty="0">
-              <a:solidFill>
-                <a:srgbClr val="000000"/>
-              </a:solidFill>
-            </a:endParaRPr>
           </a:p>
         </p:txBody>
       </p:sp>
@@ -5299,14 +5323,15 @@
         <p:nvCxnSpPr>
           <p:cNvPr id="16" name="Straight Arrow Connector 15"/>
           <p:cNvCxnSpPr>
+            <a:cxnSpLocks/>
             <a:stCxn id="9" idx="3"/>
           </p:cNvCxnSpPr>
           <p:nvPr/>
         </p:nvCxnSpPr>
         <p:spPr>
           <a:xfrm>
-            <a:off x="4661700" y="3367903"/>
-            <a:ext cx="972980" cy="0"/>
+            <a:off x="4892634" y="3367903"/>
+            <a:ext cx="742046" cy="0"/>
           </a:xfrm>
           <a:prstGeom prst="straightConnector1">
             <a:avLst/>
@@ -5342,7 +5367,7 @@
           <p:nvPr>
             <p:extLst>
               <p:ext uri="{D42A27DB-BD31-4B8C-83A1-F6EECF244321}">
-                <p14:modId xmlns:p14="http://schemas.microsoft.com/office/powerpoint/2010/main" val="2015627359"/>
+                <p14:modId xmlns:p14="http://schemas.microsoft.com/office/powerpoint/2010/main" val="3244781788"/>
               </p:ext>
             </p:extLst>
           </p:nvPr>
@@ -5358,11 +5383,41 @@
                 <a:tableStyleId>{2D5ABB26-0587-4C30-8999-92F81FD0307C}</a:tableStyleId>
               </a:tblPr>
               <a:tblGrid>
-                <a:gridCol w="901522"/>
-                <a:gridCol w="901522"/>
-                <a:gridCol w="901522"/>
-                <a:gridCol w="901522"/>
-                <a:gridCol w="901522"/>
+                <a:gridCol w="901522">
+                  <a:extLst>
+                    <a:ext uri="{9D8B030D-6E8A-4147-A177-3AD203B41FA5}">
+                      <a16:colId xmlns:a16="http://schemas.microsoft.com/office/drawing/2014/main" val="20000"/>
+                    </a:ext>
+                  </a:extLst>
+                </a:gridCol>
+                <a:gridCol w="901522">
+                  <a:extLst>
+                    <a:ext uri="{9D8B030D-6E8A-4147-A177-3AD203B41FA5}">
+                      <a16:colId xmlns:a16="http://schemas.microsoft.com/office/drawing/2014/main" val="20001"/>
+                    </a:ext>
+                  </a:extLst>
+                </a:gridCol>
+                <a:gridCol w="901522">
+                  <a:extLst>
+                    <a:ext uri="{9D8B030D-6E8A-4147-A177-3AD203B41FA5}">
+                      <a16:colId xmlns:a16="http://schemas.microsoft.com/office/drawing/2014/main" val="20002"/>
+                    </a:ext>
+                  </a:extLst>
+                </a:gridCol>
+                <a:gridCol w="901522">
+                  <a:extLst>
+                    <a:ext uri="{9D8B030D-6E8A-4147-A177-3AD203B41FA5}">
+                      <a16:colId xmlns:a16="http://schemas.microsoft.com/office/drawing/2014/main" val="20003"/>
+                    </a:ext>
+                  </a:extLst>
+                </a:gridCol>
+                <a:gridCol w="901522">
+                  <a:extLst>
+                    <a:ext uri="{9D8B030D-6E8A-4147-A177-3AD203B41FA5}">
+                      <a16:colId xmlns:a16="http://schemas.microsoft.com/office/drawing/2014/main" val="20004"/>
+                    </a:ext>
+                  </a:extLst>
+                </a:gridCol>
               </a:tblGrid>
               <a:tr h="613987">
                 <a:tc>
@@ -5372,7 +5427,7 @@
                     <a:p>
                       <a:pPr algn="ctr"/>
                       <a:r>
-                        <a:rPr lang="en-US" sz="3200" dirty="0" smtClean="0"/>
+                        <a:rPr lang="en-US" sz="3200" dirty="0"/>
                         <a:t>0</a:t>
                       </a:r>
                       <a:endParaRPr lang="en-US" sz="3200" dirty="0">
@@ -5391,7 +5446,7 @@
                     <a:p>
                       <a:pPr algn="ctr"/>
                       <a:r>
-                        <a:rPr lang="en-US" sz="3200" dirty="0" smtClean="0"/>
+                        <a:rPr lang="en-US" sz="3200" dirty="0"/>
                         <a:t>1</a:t>
                       </a:r>
                       <a:endParaRPr lang="en-US" sz="3200" dirty="0">
@@ -5410,7 +5465,7 @@
                     <a:p>
                       <a:pPr algn="ctr"/>
                       <a:r>
-                        <a:rPr lang="en-US" sz="3200" dirty="0" smtClean="0"/>
+                        <a:rPr lang="en-US" sz="3200" dirty="0"/>
                         <a:t>2</a:t>
                       </a:r>
                       <a:endParaRPr lang="en-US" sz="3200" dirty="0">
@@ -5429,7 +5484,7 @@
                     <a:p>
                       <a:pPr algn="ctr"/>
                       <a:r>
-                        <a:rPr lang="en-US" sz="3200" dirty="0" smtClean="0"/>
+                        <a:rPr lang="en-US" sz="3200" dirty="0"/>
                         <a:t>3</a:t>
                       </a:r>
                       <a:endParaRPr lang="en-US" sz="3200" dirty="0">
@@ -5448,7 +5503,7 @@
                     <a:p>
                       <a:pPr algn="ctr"/>
                       <a:r>
-                        <a:rPr lang="en-US" sz="3200" dirty="0" smtClean="0"/>
+                        <a:rPr lang="en-US" sz="3200" dirty="0"/>
                         <a:t>4</a:t>
                       </a:r>
                       <a:endParaRPr lang="en-US" sz="3200" dirty="0">
@@ -5460,6 +5515,11 @@
                   </a:txBody>
                   <a:tcPr/>
                 </a:tc>
+                <a:extLst>
+                  <a:ext uri="{0D108BD9-81ED-4DB2-BD59-A6C34878D82A}">
+                    <a16:rowId xmlns:a16="http://schemas.microsoft.com/office/drawing/2014/main" val="10000"/>
+                  </a:ext>
+                </a:extLst>
               </a:tr>
             </a:tbl>
           </a:graphicData>
@@ -5574,7 +5634,7 @@
           <p:nvPr>
             <p:extLst>
               <p:ext uri="{D42A27DB-BD31-4B8C-83A1-F6EECF244321}">
-                <p14:modId xmlns:p14="http://schemas.microsoft.com/office/powerpoint/2010/main" val="553890946"/>
+                <p14:modId xmlns:p14="http://schemas.microsoft.com/office/powerpoint/2010/main" val="438558836"/>
               </p:ext>
             </p:extLst>
           </p:nvPr>
@@ -5590,11 +5650,41 @@
                 <a:tableStyleId>{5C22544A-7EE6-4342-B048-85BDC9FD1C3A}</a:tableStyleId>
               </a:tblPr>
               <a:tblGrid>
-                <a:gridCol w="901522"/>
-                <a:gridCol w="901522"/>
-                <a:gridCol w="901522"/>
-                <a:gridCol w="901522"/>
-                <a:gridCol w="901522"/>
+                <a:gridCol w="901522">
+                  <a:extLst>
+                    <a:ext uri="{9D8B030D-6E8A-4147-A177-3AD203B41FA5}">
+                      <a16:colId xmlns:a16="http://schemas.microsoft.com/office/drawing/2014/main" val="20000"/>
+                    </a:ext>
+                  </a:extLst>
+                </a:gridCol>
+                <a:gridCol w="901522">
+                  <a:extLst>
+                    <a:ext uri="{9D8B030D-6E8A-4147-A177-3AD203B41FA5}">
+                      <a16:colId xmlns:a16="http://schemas.microsoft.com/office/drawing/2014/main" val="20001"/>
+                    </a:ext>
+                  </a:extLst>
+                </a:gridCol>
+                <a:gridCol w="901522">
+                  <a:extLst>
+                    <a:ext uri="{9D8B030D-6E8A-4147-A177-3AD203B41FA5}">
+                      <a16:colId xmlns:a16="http://schemas.microsoft.com/office/drawing/2014/main" val="20002"/>
+                    </a:ext>
+                  </a:extLst>
+                </a:gridCol>
+                <a:gridCol w="901522">
+                  <a:extLst>
+                    <a:ext uri="{9D8B030D-6E8A-4147-A177-3AD203B41FA5}">
+                      <a16:colId xmlns:a16="http://schemas.microsoft.com/office/drawing/2014/main" val="20003"/>
+                    </a:ext>
+                  </a:extLst>
+                </a:gridCol>
+                <a:gridCol w="901522">
+                  <a:extLst>
+                    <a:ext uri="{9D8B030D-6E8A-4147-A177-3AD203B41FA5}">
+                      <a16:colId xmlns:a16="http://schemas.microsoft.com/office/drawing/2014/main" val="20004"/>
+                    </a:ext>
+                  </a:extLst>
+                </a:gridCol>
               </a:tblGrid>
               <a:tr h="613987">
                 <a:tc>
@@ -5604,18 +5694,13 @@
                     <a:p>
                       <a:pPr algn="ctr"/>
                       <a:r>
-                        <a:rPr lang="en-US" sz="3200" dirty="0" smtClean="0">
+                        <a:rPr lang="en-US" sz="3200" dirty="0">
                           <a:solidFill>
                             <a:schemeClr val="tx1"/>
                           </a:solidFill>
                         </a:rPr>
                         <a:t>A</a:t>
                       </a:r>
-                      <a:endParaRPr lang="en-US" sz="3200" dirty="0">
-                        <a:solidFill>
-                          <a:schemeClr val="tx1"/>
-                        </a:solidFill>
-                      </a:endParaRPr>
                     </a:p>
                   </a:txBody>
                   <a:tcPr>
@@ -5675,18 +5760,13 @@
                     <a:p>
                       <a:pPr algn="ctr"/>
                       <a:r>
-                        <a:rPr lang="en-US" sz="3200" dirty="0" smtClean="0">
+                        <a:rPr lang="en-US" sz="3200" dirty="0">
                           <a:solidFill>
                             <a:srgbClr val="00B050"/>
                           </a:solidFill>
                         </a:rPr>
                         <a:t>B</a:t>
                       </a:r>
-                      <a:endParaRPr lang="en-US" sz="3200" dirty="0">
-                        <a:solidFill>
-                          <a:srgbClr val="00B050"/>
-                        </a:solidFill>
-                      </a:endParaRPr>
                     </a:p>
                   </a:txBody>
                   <a:tcPr>
@@ -5928,6 +6008,11 @@
                     </a:solidFill>
                   </a:tcPr>
                 </a:tc>
+                <a:extLst>
+                  <a:ext uri="{0D108BD9-81ED-4DB2-BD59-A6C34878D82A}">
+                    <a16:rowId xmlns:a16="http://schemas.microsoft.com/office/drawing/2014/main" val="10000"/>
+                  </a:ext>
+                </a:extLst>
               </a:tr>
             </a:tbl>
           </a:graphicData>
@@ -5942,7 +6027,7 @@
           <p:nvPr>
             <p:extLst>
               <p:ext uri="{D42A27DB-BD31-4B8C-83A1-F6EECF244321}">
-                <p14:modId xmlns:p14="http://schemas.microsoft.com/office/powerpoint/2010/main" val="2051003324"/>
+                <p14:modId xmlns:p14="http://schemas.microsoft.com/office/powerpoint/2010/main" val="2639238045"/>
               </p:ext>
             </p:extLst>
           </p:nvPr>
@@ -5958,11 +6043,41 @@
                 <a:tableStyleId>{5C22544A-7EE6-4342-B048-85BDC9FD1C3A}</a:tableStyleId>
               </a:tblPr>
               <a:tblGrid>
-                <a:gridCol w="901522"/>
-                <a:gridCol w="901522"/>
-                <a:gridCol w="901522"/>
-                <a:gridCol w="901522"/>
-                <a:gridCol w="901522"/>
+                <a:gridCol w="901522">
+                  <a:extLst>
+                    <a:ext uri="{9D8B030D-6E8A-4147-A177-3AD203B41FA5}">
+                      <a16:colId xmlns:a16="http://schemas.microsoft.com/office/drawing/2014/main" val="20000"/>
+                    </a:ext>
+                  </a:extLst>
+                </a:gridCol>
+                <a:gridCol w="901522">
+                  <a:extLst>
+                    <a:ext uri="{9D8B030D-6E8A-4147-A177-3AD203B41FA5}">
+                      <a16:colId xmlns:a16="http://schemas.microsoft.com/office/drawing/2014/main" val="20001"/>
+                    </a:ext>
+                  </a:extLst>
+                </a:gridCol>
+                <a:gridCol w="901522">
+                  <a:extLst>
+                    <a:ext uri="{9D8B030D-6E8A-4147-A177-3AD203B41FA5}">
+                      <a16:colId xmlns:a16="http://schemas.microsoft.com/office/drawing/2014/main" val="20002"/>
+                    </a:ext>
+                  </a:extLst>
+                </a:gridCol>
+                <a:gridCol w="901522">
+                  <a:extLst>
+                    <a:ext uri="{9D8B030D-6E8A-4147-A177-3AD203B41FA5}">
+                      <a16:colId xmlns:a16="http://schemas.microsoft.com/office/drawing/2014/main" val="20003"/>
+                    </a:ext>
+                  </a:extLst>
+                </a:gridCol>
+                <a:gridCol w="901522">
+                  <a:extLst>
+                    <a:ext uri="{9D8B030D-6E8A-4147-A177-3AD203B41FA5}">
+                      <a16:colId xmlns:a16="http://schemas.microsoft.com/office/drawing/2014/main" val="20004"/>
+                    </a:ext>
+                  </a:extLst>
+                </a:gridCol>
               </a:tblGrid>
               <a:tr h="613987">
                 <a:tc>
@@ -5972,18 +6087,13 @@
                     <a:p>
                       <a:pPr algn="ctr"/>
                       <a:r>
-                        <a:rPr lang="en-US" sz="3200" dirty="0" smtClean="0">
+                        <a:rPr lang="en-US" sz="3200" dirty="0">
                           <a:solidFill>
                             <a:schemeClr val="tx1"/>
                           </a:solidFill>
                         </a:rPr>
                         <a:t>A</a:t>
                       </a:r>
-                      <a:endParaRPr lang="en-US" sz="3200" dirty="0">
-                        <a:solidFill>
-                          <a:schemeClr val="tx1"/>
-                        </a:solidFill>
-                      </a:endParaRPr>
                     </a:p>
                   </a:txBody>
                   <a:tcPr>
@@ -6043,18 +6153,13 @@
                     <a:p>
                       <a:pPr algn="ctr"/>
                       <a:r>
-                        <a:rPr lang="en-US" sz="3200" dirty="0" smtClean="0">
+                        <a:rPr lang="en-US" sz="3200" dirty="0">
                           <a:solidFill>
                             <a:schemeClr val="tx1"/>
                           </a:solidFill>
                         </a:rPr>
                         <a:t>B</a:t>
                       </a:r>
-                      <a:endParaRPr lang="en-US" sz="3200" dirty="0">
-                        <a:solidFill>
-                          <a:schemeClr val="tx1"/>
-                        </a:solidFill>
-                      </a:endParaRPr>
                     </a:p>
                   </a:txBody>
                   <a:tcPr>
@@ -6193,7 +6298,7 @@
                         <a:defRPr/>
                       </a:pPr>
                       <a:r>
-                        <a:rPr lang="en-US" sz="3200" dirty="0" smtClean="0">
+                        <a:rPr lang="en-US" sz="3200" dirty="0">
                           <a:solidFill>
                             <a:srgbClr val="00B050"/>
                           </a:solidFill>
@@ -6315,6 +6420,11 @@
                     </a:solidFill>
                   </a:tcPr>
                 </a:tc>
+                <a:extLst>
+                  <a:ext uri="{0D108BD9-81ED-4DB2-BD59-A6C34878D82A}">
+                    <a16:rowId xmlns:a16="http://schemas.microsoft.com/office/drawing/2014/main" val="10000"/>
+                  </a:ext>
+                </a:extLst>
               </a:tr>
             </a:tbl>
           </a:graphicData>
@@ -6329,7 +6439,7 @@
           <p:nvPr>
             <p:extLst>
               <p:ext uri="{D42A27DB-BD31-4B8C-83A1-F6EECF244321}">
-                <p14:modId xmlns:p14="http://schemas.microsoft.com/office/powerpoint/2010/main" val="1952848471"/>
+                <p14:modId xmlns:p14="http://schemas.microsoft.com/office/powerpoint/2010/main" val="3681556784"/>
               </p:ext>
             </p:extLst>
           </p:nvPr>
@@ -6345,11 +6455,41 @@
                 <a:tableStyleId>{5C22544A-7EE6-4342-B048-85BDC9FD1C3A}</a:tableStyleId>
               </a:tblPr>
               <a:tblGrid>
-                <a:gridCol w="901522"/>
-                <a:gridCol w="901522"/>
-                <a:gridCol w="901522"/>
-                <a:gridCol w="901522"/>
-                <a:gridCol w="901522"/>
+                <a:gridCol w="901522">
+                  <a:extLst>
+                    <a:ext uri="{9D8B030D-6E8A-4147-A177-3AD203B41FA5}">
+                      <a16:colId xmlns:a16="http://schemas.microsoft.com/office/drawing/2014/main" val="20000"/>
+                    </a:ext>
+                  </a:extLst>
+                </a:gridCol>
+                <a:gridCol w="901522">
+                  <a:extLst>
+                    <a:ext uri="{9D8B030D-6E8A-4147-A177-3AD203B41FA5}">
+                      <a16:colId xmlns:a16="http://schemas.microsoft.com/office/drawing/2014/main" val="20001"/>
+                    </a:ext>
+                  </a:extLst>
+                </a:gridCol>
+                <a:gridCol w="901522">
+                  <a:extLst>
+                    <a:ext uri="{9D8B030D-6E8A-4147-A177-3AD203B41FA5}">
+                      <a16:colId xmlns:a16="http://schemas.microsoft.com/office/drawing/2014/main" val="20002"/>
+                    </a:ext>
+                  </a:extLst>
+                </a:gridCol>
+                <a:gridCol w="901522">
+                  <a:extLst>
+                    <a:ext uri="{9D8B030D-6E8A-4147-A177-3AD203B41FA5}">
+                      <a16:colId xmlns:a16="http://schemas.microsoft.com/office/drawing/2014/main" val="20003"/>
+                    </a:ext>
+                  </a:extLst>
+                </a:gridCol>
+                <a:gridCol w="901522">
+                  <a:extLst>
+                    <a:ext uri="{9D8B030D-6E8A-4147-A177-3AD203B41FA5}">
+                      <a16:colId xmlns:a16="http://schemas.microsoft.com/office/drawing/2014/main" val="20004"/>
+                    </a:ext>
+                  </a:extLst>
+                </a:gridCol>
               </a:tblGrid>
               <a:tr h="613987">
                 <a:tc>
@@ -6359,18 +6499,13 @@
                     <a:p>
                       <a:pPr algn="ctr"/>
                       <a:r>
-                        <a:rPr lang="en-US" sz="3200" dirty="0" smtClean="0">
+                        <a:rPr lang="en-US" sz="3200" dirty="0">
                           <a:solidFill>
                             <a:schemeClr val="tx1"/>
                           </a:solidFill>
                         </a:rPr>
                         <a:t>A</a:t>
                       </a:r>
-                      <a:endParaRPr lang="en-US" sz="3200" dirty="0">
-                        <a:solidFill>
-                          <a:schemeClr val="tx1"/>
-                        </a:solidFill>
-                      </a:endParaRPr>
                     </a:p>
                   </a:txBody>
                   <a:tcPr>
@@ -6430,18 +6565,13 @@
                     <a:p>
                       <a:pPr algn="ctr"/>
                       <a:r>
-                        <a:rPr lang="en-US" sz="3200" dirty="0" smtClean="0">
+                        <a:rPr lang="en-US" sz="3200" dirty="0">
                           <a:solidFill>
                             <a:schemeClr val="tx1"/>
                           </a:solidFill>
                         </a:rPr>
                         <a:t>B</a:t>
                       </a:r>
-                      <a:endParaRPr lang="en-US" sz="3200" dirty="0">
-                        <a:solidFill>
-                          <a:schemeClr val="tx1"/>
-                        </a:solidFill>
-                      </a:endParaRPr>
                     </a:p>
                   </a:txBody>
                   <a:tcPr>
@@ -6501,7 +6631,7 @@
                     <a:p>
                       <a:pPr algn="ctr"/>
                       <a:r>
-                        <a:rPr lang="en-US" sz="3200" dirty="0" smtClean="0">
+                        <a:rPr lang="en-US" sz="3200" dirty="0">
                           <a:solidFill>
                             <a:srgbClr val="00B050"/>
                           </a:solidFill>
@@ -6567,18 +6697,13 @@
                     <a:p>
                       <a:pPr algn="ctr"/>
                       <a:r>
-                        <a:rPr lang="en-US" sz="3200" dirty="0" smtClean="0">
+                        <a:rPr lang="en-US" sz="3200" dirty="0">
                           <a:solidFill>
                             <a:schemeClr val="tx1"/>
                           </a:solidFill>
                         </a:rPr>
                         <a:t>D</a:t>
                       </a:r>
-                      <a:endParaRPr lang="en-US" sz="3200" dirty="0">
-                        <a:solidFill>
-                          <a:schemeClr val="tx1"/>
-                        </a:solidFill>
-                      </a:endParaRPr>
                     </a:p>
                   </a:txBody>
                   <a:tcPr>
@@ -6694,6 +6819,11 @@
                     </a:solidFill>
                   </a:tcPr>
                 </a:tc>
+                <a:extLst>
+                  <a:ext uri="{0D108BD9-81ED-4DB2-BD59-A6C34878D82A}">
+                    <a16:rowId xmlns:a16="http://schemas.microsoft.com/office/drawing/2014/main" val="10000"/>
+                  </a:ext>
+                </a:extLst>
               </a:tr>
             </a:tbl>
           </a:graphicData>
@@ -6707,8 +6837,8 @@
         </p:nvSpPr>
         <p:spPr>
           <a:xfrm>
-            <a:off x="2628162" y="2005564"/>
-            <a:ext cx="1545462" cy="584775"/>
+            <a:off x="2628161" y="2005564"/>
+            <a:ext cx="1813209" cy="584775"/>
           </a:xfrm>
           <a:prstGeom prst="rect">
             <a:avLst/>
@@ -6722,7 +6852,7 @@
           <a:lstStyle/>
           <a:p>
             <a:r>
-              <a:rPr lang="en-US" sz="3200" dirty="0" smtClean="0"/>
+              <a:rPr lang="en-US" sz="3200" dirty="0"/>
               <a:t>Insert </a:t>
             </a:r>
             <a:r>
@@ -6733,11 +6863,6 @@
               </a:rPr>
               <a:t>B</a:t>
             </a:r>
-            <a:endParaRPr lang="en-US" sz="3200" dirty="0" smtClean="0">
-              <a:solidFill>
-                <a:srgbClr val="00B050"/>
-              </a:solidFill>
-            </a:endParaRPr>
           </a:p>
         </p:txBody>
       </p:sp>
@@ -6749,8 +6874,8 @@
         </p:nvSpPr>
         <p:spPr>
           <a:xfrm>
-            <a:off x="2628161" y="2879181"/>
-            <a:ext cx="1545462" cy="584775"/>
+            <a:off x="2628160" y="2879181"/>
+            <a:ext cx="1813209" cy="584775"/>
           </a:xfrm>
           <a:prstGeom prst="rect">
             <a:avLst/>
@@ -6764,7 +6889,7 @@
           <a:lstStyle/>
           <a:p>
             <a:r>
-              <a:rPr lang="en-US" sz="3200" dirty="0" smtClean="0"/>
+              <a:rPr lang="en-US" sz="3200" dirty="0"/>
               <a:t>Insert </a:t>
             </a:r>
             <a:r>
@@ -6775,11 +6900,6 @@
               </a:rPr>
               <a:t>D</a:t>
             </a:r>
-            <a:endParaRPr lang="en-US" sz="3200" dirty="0" smtClean="0">
-              <a:solidFill>
-                <a:srgbClr val="00B050"/>
-              </a:solidFill>
-            </a:endParaRPr>
           </a:p>
         </p:txBody>
       </p:sp>
@@ -6792,7 +6912,7 @@
         <p:spPr>
           <a:xfrm>
             <a:off x="2628161" y="3752798"/>
-            <a:ext cx="1545462" cy="584775"/>
+            <a:ext cx="1813208" cy="584775"/>
           </a:xfrm>
           <a:prstGeom prst="rect">
             <a:avLst/>
@@ -6859,7 +6979,7 @@
           <p:nvPr>
             <p:extLst>
               <p:ext uri="{D42A27DB-BD31-4B8C-83A1-F6EECF244321}">
-                <p14:modId xmlns:p14="http://schemas.microsoft.com/office/powerpoint/2010/main" val="1343501414"/>
+                <p14:modId xmlns:p14="http://schemas.microsoft.com/office/powerpoint/2010/main" val="4060477804"/>
               </p:ext>
             </p:extLst>
           </p:nvPr>
@@ -6875,11 +6995,41 @@
                 <a:tableStyleId>{5C22544A-7EE6-4342-B048-85BDC9FD1C3A}</a:tableStyleId>
               </a:tblPr>
               <a:tblGrid>
-                <a:gridCol w="901522"/>
-                <a:gridCol w="901522"/>
-                <a:gridCol w="901522"/>
-                <a:gridCol w="901522"/>
-                <a:gridCol w="901522"/>
+                <a:gridCol w="901522">
+                  <a:extLst>
+                    <a:ext uri="{9D8B030D-6E8A-4147-A177-3AD203B41FA5}">
+                      <a16:colId xmlns:a16="http://schemas.microsoft.com/office/drawing/2014/main" val="20000"/>
+                    </a:ext>
+                  </a:extLst>
+                </a:gridCol>
+                <a:gridCol w="901522">
+                  <a:extLst>
+                    <a:ext uri="{9D8B030D-6E8A-4147-A177-3AD203B41FA5}">
+                      <a16:colId xmlns:a16="http://schemas.microsoft.com/office/drawing/2014/main" val="20001"/>
+                    </a:ext>
+                  </a:extLst>
+                </a:gridCol>
+                <a:gridCol w="901522">
+                  <a:extLst>
+                    <a:ext uri="{9D8B030D-6E8A-4147-A177-3AD203B41FA5}">
+                      <a16:colId xmlns:a16="http://schemas.microsoft.com/office/drawing/2014/main" val="20002"/>
+                    </a:ext>
+                  </a:extLst>
+                </a:gridCol>
+                <a:gridCol w="901522">
+                  <a:extLst>
+                    <a:ext uri="{9D8B030D-6E8A-4147-A177-3AD203B41FA5}">
+                      <a16:colId xmlns:a16="http://schemas.microsoft.com/office/drawing/2014/main" val="20003"/>
+                    </a:ext>
+                  </a:extLst>
+                </a:gridCol>
+                <a:gridCol w="901522">
+                  <a:extLst>
+                    <a:ext uri="{9D8B030D-6E8A-4147-A177-3AD203B41FA5}">
+                      <a16:colId xmlns:a16="http://schemas.microsoft.com/office/drawing/2014/main" val="20004"/>
+                    </a:ext>
+                  </a:extLst>
+                </a:gridCol>
               </a:tblGrid>
               <a:tr h="613987">
                 <a:tc>
@@ -6905,7 +7055,7 @@
                         <a:defRPr/>
                       </a:pPr>
                       <a:r>
-                        <a:rPr lang="en-US" sz="3200" dirty="0" smtClean="0">
+                        <a:rPr lang="en-US" sz="3200" dirty="0">
                           <a:solidFill>
                             <a:srgbClr val="00B050"/>
                           </a:solidFill>
@@ -7216,6 +7366,11 @@
                     </a:solidFill>
                   </a:tcPr>
                 </a:tc>
+                <a:extLst>
+                  <a:ext uri="{0D108BD9-81ED-4DB2-BD59-A6C34878D82A}">
+                    <a16:rowId xmlns:a16="http://schemas.microsoft.com/office/drawing/2014/main" val="10000"/>
+                  </a:ext>
+                </a:extLst>
               </a:tr>
             </a:tbl>
           </a:graphicData>
@@ -7230,7 +7385,7 @@
           <p:nvPr>
             <p:extLst>
               <p:ext uri="{D42A27DB-BD31-4B8C-83A1-F6EECF244321}">
-                <p14:modId xmlns:p14="http://schemas.microsoft.com/office/powerpoint/2010/main" val="1585200540"/>
+                <p14:modId xmlns:p14="http://schemas.microsoft.com/office/powerpoint/2010/main" val="3503553204"/>
               </p:ext>
             </p:extLst>
           </p:nvPr>
@@ -7246,11 +7401,41 @@
                 <a:tableStyleId>{5C22544A-7EE6-4342-B048-85BDC9FD1C3A}</a:tableStyleId>
               </a:tblPr>
               <a:tblGrid>
-                <a:gridCol w="901522"/>
-                <a:gridCol w="901522"/>
-                <a:gridCol w="901522"/>
-                <a:gridCol w="901522"/>
-                <a:gridCol w="901522"/>
+                <a:gridCol w="901522">
+                  <a:extLst>
+                    <a:ext uri="{9D8B030D-6E8A-4147-A177-3AD203B41FA5}">
+                      <a16:colId xmlns:a16="http://schemas.microsoft.com/office/drawing/2014/main" val="20000"/>
+                    </a:ext>
+                  </a:extLst>
+                </a:gridCol>
+                <a:gridCol w="901522">
+                  <a:extLst>
+                    <a:ext uri="{9D8B030D-6E8A-4147-A177-3AD203B41FA5}">
+                      <a16:colId xmlns:a16="http://schemas.microsoft.com/office/drawing/2014/main" val="20001"/>
+                    </a:ext>
+                  </a:extLst>
+                </a:gridCol>
+                <a:gridCol w="901522">
+                  <a:extLst>
+                    <a:ext uri="{9D8B030D-6E8A-4147-A177-3AD203B41FA5}">
+                      <a16:colId xmlns:a16="http://schemas.microsoft.com/office/drawing/2014/main" val="20002"/>
+                    </a:ext>
+                  </a:extLst>
+                </a:gridCol>
+                <a:gridCol w="901522">
+                  <a:extLst>
+                    <a:ext uri="{9D8B030D-6E8A-4147-A177-3AD203B41FA5}">
+                      <a16:colId xmlns:a16="http://schemas.microsoft.com/office/drawing/2014/main" val="20003"/>
+                    </a:ext>
+                  </a:extLst>
+                </a:gridCol>
+                <a:gridCol w="901522">
+                  <a:extLst>
+                    <a:ext uri="{9D8B030D-6E8A-4147-A177-3AD203B41FA5}">
+                      <a16:colId xmlns:a16="http://schemas.microsoft.com/office/drawing/2014/main" val="20004"/>
+                    </a:ext>
+                  </a:extLst>
+                </a:gridCol>
               </a:tblGrid>
               <a:tr h="613987">
                 <a:tc>
@@ -7276,7 +7461,7 @@
                         <a:defRPr/>
                       </a:pPr>
                       <a:r>
-                        <a:rPr lang="en-US" sz="3200" dirty="0" smtClean="0">
+                        <a:rPr lang="en-US" sz="3200" dirty="0">
                           <a:solidFill>
                             <a:schemeClr val="tx1"/>
                           </a:solidFill>
@@ -7342,7 +7527,7 @@
                     <a:p>
                       <a:pPr algn="ctr"/>
                       <a:r>
-                        <a:rPr lang="en-US" sz="3200" dirty="0" smtClean="0">
+                        <a:rPr lang="en-US" sz="3200" dirty="0">
                           <a:solidFill>
                             <a:srgbClr val="00B050"/>
                           </a:solidFill>
@@ -7491,7 +7676,7 @@
                         <a:tabLst/>
                         <a:defRPr/>
                       </a:pPr>
-                      <a:endParaRPr lang="en-US" sz="3200" dirty="0" smtClean="0">
+                      <a:endParaRPr lang="en-US" sz="3200" dirty="0">
                         <a:solidFill>
                           <a:srgbClr val="00B050"/>
                         </a:solidFill>
@@ -7611,6 +7796,11 @@
                     </a:solidFill>
                   </a:tcPr>
                 </a:tc>
+                <a:extLst>
+                  <a:ext uri="{0D108BD9-81ED-4DB2-BD59-A6C34878D82A}">
+                    <a16:rowId xmlns:a16="http://schemas.microsoft.com/office/drawing/2014/main" val="10000"/>
+                  </a:ext>
+                </a:extLst>
               </a:tr>
             </a:tbl>
           </a:graphicData>
@@ -7625,7 +7815,7 @@
           <p:nvPr>
             <p:extLst>
               <p:ext uri="{D42A27DB-BD31-4B8C-83A1-F6EECF244321}">
-                <p14:modId xmlns:p14="http://schemas.microsoft.com/office/powerpoint/2010/main" val="783351098"/>
+                <p14:modId xmlns:p14="http://schemas.microsoft.com/office/powerpoint/2010/main" val="736938424"/>
               </p:ext>
             </p:extLst>
           </p:nvPr>
@@ -7641,11 +7831,41 @@
                 <a:tableStyleId>{5C22544A-7EE6-4342-B048-85BDC9FD1C3A}</a:tableStyleId>
               </a:tblPr>
               <a:tblGrid>
-                <a:gridCol w="901522"/>
-                <a:gridCol w="901522"/>
-                <a:gridCol w="901522"/>
-                <a:gridCol w="901522"/>
-                <a:gridCol w="901522"/>
+                <a:gridCol w="901522">
+                  <a:extLst>
+                    <a:ext uri="{9D8B030D-6E8A-4147-A177-3AD203B41FA5}">
+                      <a16:colId xmlns:a16="http://schemas.microsoft.com/office/drawing/2014/main" val="20000"/>
+                    </a:ext>
+                  </a:extLst>
+                </a:gridCol>
+                <a:gridCol w="901522">
+                  <a:extLst>
+                    <a:ext uri="{9D8B030D-6E8A-4147-A177-3AD203B41FA5}">
+                      <a16:colId xmlns:a16="http://schemas.microsoft.com/office/drawing/2014/main" val="20001"/>
+                    </a:ext>
+                  </a:extLst>
+                </a:gridCol>
+                <a:gridCol w="901522">
+                  <a:extLst>
+                    <a:ext uri="{9D8B030D-6E8A-4147-A177-3AD203B41FA5}">
+                      <a16:colId xmlns:a16="http://schemas.microsoft.com/office/drawing/2014/main" val="20002"/>
+                    </a:ext>
+                  </a:extLst>
+                </a:gridCol>
+                <a:gridCol w="901522">
+                  <a:extLst>
+                    <a:ext uri="{9D8B030D-6E8A-4147-A177-3AD203B41FA5}">
+                      <a16:colId xmlns:a16="http://schemas.microsoft.com/office/drawing/2014/main" val="20003"/>
+                    </a:ext>
+                  </a:extLst>
+                </a:gridCol>
+                <a:gridCol w="901522">
+                  <a:extLst>
+                    <a:ext uri="{9D8B030D-6E8A-4147-A177-3AD203B41FA5}">
+                      <a16:colId xmlns:a16="http://schemas.microsoft.com/office/drawing/2014/main" val="20004"/>
+                    </a:ext>
+                  </a:extLst>
+                </a:gridCol>
               </a:tblGrid>
               <a:tr h="613987">
                 <a:tc>
@@ -7671,7 +7891,7 @@
                         <a:defRPr/>
                       </a:pPr>
                       <a:r>
-                        <a:rPr lang="en-US" sz="3200" dirty="0" smtClean="0">
+                        <a:rPr lang="en-US" sz="3200" dirty="0">
                           <a:solidFill>
                             <a:schemeClr val="tx1"/>
                           </a:solidFill>
@@ -7737,18 +7957,13 @@
                     <a:p>
                       <a:pPr algn="ctr"/>
                       <a:r>
-                        <a:rPr lang="en-US" sz="3200" dirty="0" smtClean="0">
+                        <a:rPr lang="en-US" sz="3200" dirty="0">
                           <a:solidFill>
                             <a:schemeClr val="tx1"/>
                           </a:solidFill>
                         </a:rPr>
                         <a:t>B</a:t>
                       </a:r>
-                      <a:endParaRPr lang="en-US" sz="3200" dirty="0">
-                        <a:solidFill>
-                          <a:schemeClr val="tx1"/>
-                        </a:solidFill>
-                      </a:endParaRPr>
                     </a:p>
                   </a:txBody>
                   <a:tcPr>
@@ -7807,7 +8022,7 @@
                     <a:lstStyle/>
                     <a:p>
                       <a:pPr algn="ctr"/>
-                      <a:endParaRPr lang="en-US" sz="3200" dirty="0" smtClean="0">
+                      <a:endParaRPr lang="en-US" sz="3200" dirty="0">
                         <a:solidFill>
                           <a:srgbClr val="00B050"/>
                         </a:solidFill>
@@ -7871,18 +8086,13 @@
                     <a:p>
                       <a:pPr algn="ctr"/>
                       <a:r>
-                        <a:rPr lang="en-US" sz="3200" dirty="0" smtClean="0">
+                        <a:rPr lang="en-US" sz="3200" dirty="0">
                           <a:solidFill>
                             <a:srgbClr val="00B050"/>
                           </a:solidFill>
                         </a:rPr>
                         <a:t>N</a:t>
                       </a:r>
-                      <a:endParaRPr lang="en-US" sz="3200" dirty="0">
-                        <a:solidFill>
-                          <a:srgbClr val="00B050"/>
-                        </a:solidFill>
-                      </a:endParaRPr>
                     </a:p>
                   </a:txBody>
                   <a:tcPr>
@@ -7998,6 +8208,11 @@
                     </a:solidFill>
                   </a:tcPr>
                 </a:tc>
+                <a:extLst>
+                  <a:ext uri="{0D108BD9-81ED-4DB2-BD59-A6C34878D82A}">
+                    <a16:rowId xmlns:a16="http://schemas.microsoft.com/office/drawing/2014/main" val="10000"/>
+                  </a:ext>
+                </a:extLst>
               </a:tr>
             </a:tbl>
           </a:graphicData>
@@ -8011,8 +8226,8 @@
         </p:nvSpPr>
         <p:spPr>
           <a:xfrm>
-            <a:off x="2529307" y="1869640"/>
-            <a:ext cx="1545462" cy="584775"/>
+            <a:off x="2529306" y="1869640"/>
+            <a:ext cx="1793311" cy="584775"/>
           </a:xfrm>
           <a:prstGeom prst="rect">
             <a:avLst/>
@@ -8026,11 +8241,11 @@
           <a:lstStyle/>
           <a:p>
             <a:r>
-              <a:rPr lang="en-US" sz="3200" dirty="0" smtClean="0"/>
+              <a:rPr lang="en-US" sz="3200" dirty="0"/>
               <a:t>Insert </a:t>
             </a:r>
             <a:r>
-              <a:rPr lang="en-US" sz="3200" dirty="0" smtClean="0">
+              <a:rPr lang="en-US" sz="3200" dirty="0">
                 <a:solidFill>
                   <a:srgbClr val="00B050"/>
                 </a:solidFill>
@@ -8048,8 +8263,8 @@
         </p:nvSpPr>
         <p:spPr>
           <a:xfrm>
-            <a:off x="2529306" y="2743257"/>
-            <a:ext cx="1545462" cy="584775"/>
+            <a:off x="2529305" y="2743257"/>
+            <a:ext cx="1793311" cy="584775"/>
           </a:xfrm>
           <a:prstGeom prst="rect">
             <a:avLst/>
@@ -8063,11 +8278,11 @@
           <a:lstStyle/>
           <a:p>
             <a:r>
-              <a:rPr lang="en-US" sz="3200" dirty="0" smtClean="0"/>
+              <a:rPr lang="en-US" sz="3200" dirty="0"/>
               <a:t>Insert </a:t>
             </a:r>
             <a:r>
-              <a:rPr lang="en-US" sz="3200" dirty="0" smtClean="0">
+              <a:rPr lang="en-US" sz="3200" dirty="0">
                 <a:solidFill>
                   <a:srgbClr val="00B050"/>
                 </a:solidFill>
@@ -8086,7 +8301,7 @@
         <p:spPr>
           <a:xfrm>
             <a:off x="2529306" y="3616874"/>
-            <a:ext cx="1545462" cy="584775"/>
+            <a:ext cx="1793310" cy="584775"/>
           </a:xfrm>
           <a:prstGeom prst="rect">
             <a:avLst/>
@@ -8104,18 +8319,13 @@
               <a:t>Insert </a:t>
             </a:r>
             <a:r>
-              <a:rPr lang="en-US" sz="3200" dirty="0" smtClean="0">
+              <a:rPr lang="en-US" sz="3200" dirty="0">
                 <a:solidFill>
                   <a:srgbClr val="00B050"/>
                 </a:solidFill>
               </a:rPr>
               <a:t>N</a:t>
             </a:r>
-            <a:endParaRPr lang="en-US" sz="3200" dirty="0">
-              <a:solidFill>
-                <a:srgbClr val="00B050"/>
-              </a:solidFill>
-            </a:endParaRPr>
           </a:p>
         </p:txBody>
       </p:sp>
@@ -8142,18 +8352,13 @@
           <a:lstStyle/>
           <a:p>
             <a:r>
-              <a:rPr lang="en-US" sz="3200" dirty="0" smtClean="0">
+              <a:rPr lang="en-US" sz="3200" dirty="0">
                 <a:solidFill>
                   <a:srgbClr val="000000"/>
                 </a:solidFill>
               </a:rPr>
               <a:t>Final:</a:t>
             </a:r>
-            <a:endParaRPr lang="en-US" sz="3200" dirty="0">
-              <a:solidFill>
-                <a:srgbClr val="000000"/>
-              </a:solidFill>
-            </a:endParaRPr>
           </a:p>
         </p:txBody>
       </p:sp>
@@ -8166,7 +8371,7 @@
           <p:nvPr>
             <p:extLst>
               <p:ext uri="{D42A27DB-BD31-4B8C-83A1-F6EECF244321}">
-                <p14:modId xmlns:p14="http://schemas.microsoft.com/office/powerpoint/2010/main" val="1707147976"/>
+                <p14:modId xmlns:p14="http://schemas.microsoft.com/office/powerpoint/2010/main" val="3675260966"/>
               </p:ext>
             </p:extLst>
           </p:nvPr>
@@ -8182,11 +8387,41 @@
                 <a:tableStyleId>{5C22544A-7EE6-4342-B048-85BDC9FD1C3A}</a:tableStyleId>
               </a:tblPr>
               <a:tblGrid>
-                <a:gridCol w="901522"/>
-                <a:gridCol w="901522"/>
-                <a:gridCol w="901522"/>
-                <a:gridCol w="901522"/>
-                <a:gridCol w="901522"/>
+                <a:gridCol w="901522">
+                  <a:extLst>
+                    <a:ext uri="{9D8B030D-6E8A-4147-A177-3AD203B41FA5}">
+                      <a16:colId xmlns:a16="http://schemas.microsoft.com/office/drawing/2014/main" val="20000"/>
+                    </a:ext>
+                  </a:extLst>
+                </a:gridCol>
+                <a:gridCol w="901522">
+                  <a:extLst>
+                    <a:ext uri="{9D8B030D-6E8A-4147-A177-3AD203B41FA5}">
+                      <a16:colId xmlns:a16="http://schemas.microsoft.com/office/drawing/2014/main" val="20001"/>
+                    </a:ext>
+                  </a:extLst>
+                </a:gridCol>
+                <a:gridCol w="901522">
+                  <a:extLst>
+                    <a:ext uri="{9D8B030D-6E8A-4147-A177-3AD203B41FA5}">
+                      <a16:colId xmlns:a16="http://schemas.microsoft.com/office/drawing/2014/main" val="20002"/>
+                    </a:ext>
+                  </a:extLst>
+                </a:gridCol>
+                <a:gridCol w="901522">
+                  <a:extLst>
+                    <a:ext uri="{9D8B030D-6E8A-4147-A177-3AD203B41FA5}">
+                      <a16:colId xmlns:a16="http://schemas.microsoft.com/office/drawing/2014/main" val="20003"/>
+                    </a:ext>
+                  </a:extLst>
+                </a:gridCol>
+                <a:gridCol w="901522">
+                  <a:extLst>
+                    <a:ext uri="{9D8B030D-6E8A-4147-A177-3AD203B41FA5}">
+                      <a16:colId xmlns:a16="http://schemas.microsoft.com/office/drawing/2014/main" val="20004"/>
+                    </a:ext>
+                  </a:extLst>
+                </a:gridCol>
               </a:tblGrid>
               <a:tr h="613987">
                 <a:tc>
@@ -8196,18 +8431,13 @@
                     <a:p>
                       <a:pPr algn="ctr"/>
                       <a:r>
-                        <a:rPr lang="en-US" sz="3200" dirty="0" smtClean="0">
+                        <a:rPr lang="en-US" sz="3200" dirty="0">
                           <a:solidFill>
                             <a:schemeClr val="tx1"/>
                           </a:solidFill>
                         </a:rPr>
                         <a:t>F</a:t>
                       </a:r>
-                      <a:endParaRPr lang="en-US" sz="3200" dirty="0">
-                        <a:solidFill>
-                          <a:schemeClr val="tx1"/>
-                        </a:solidFill>
-                      </a:endParaRPr>
                     </a:p>
                   </a:txBody>
                   <a:tcPr>
@@ -8267,18 +8497,13 @@
                     <a:p>
                       <a:pPr algn="ctr"/>
                       <a:r>
-                        <a:rPr lang="en-US" sz="3200" dirty="0" smtClean="0">
+                        <a:rPr lang="en-US" sz="3200" dirty="0">
                           <a:solidFill>
                             <a:schemeClr val="tx1"/>
                           </a:solidFill>
                         </a:rPr>
                         <a:t>B</a:t>
                       </a:r>
-                      <a:endParaRPr lang="en-US" sz="3200" dirty="0">
-                        <a:solidFill>
-                          <a:schemeClr val="tx1"/>
-                        </a:solidFill>
-                      </a:endParaRPr>
                     </a:p>
                   </a:txBody>
                   <a:tcPr>
@@ -8337,7 +8562,7 @@
                     <a:lstStyle/>
                     <a:p>
                       <a:pPr algn="ctr"/>
-                      <a:endParaRPr lang="en-US" sz="3200" dirty="0" smtClean="0">
+                      <a:endParaRPr lang="en-US" sz="3200" dirty="0">
                         <a:solidFill>
                           <a:srgbClr val="000000"/>
                         </a:solidFill>
@@ -8401,18 +8626,13 @@
                     <a:p>
                       <a:pPr algn="ctr"/>
                       <a:r>
-                        <a:rPr lang="en-US" sz="3200" dirty="0" smtClean="0">
+                        <a:rPr lang="en-US" sz="3200" dirty="0">
                           <a:solidFill>
                             <a:schemeClr val="tx1"/>
                           </a:solidFill>
                         </a:rPr>
                         <a:t>N</a:t>
                       </a:r>
-                      <a:endParaRPr lang="en-US" sz="3200" dirty="0">
-                        <a:solidFill>
-                          <a:schemeClr val="tx1"/>
-                        </a:solidFill>
-                      </a:endParaRPr>
                     </a:p>
                   </a:txBody>
                   <a:tcPr>
@@ -8528,6 +8748,11 @@
                     </a:solidFill>
                   </a:tcPr>
                 </a:tc>
+                <a:extLst>
+                  <a:ext uri="{0D108BD9-81ED-4DB2-BD59-A6C34878D82A}">
+                    <a16:rowId xmlns:a16="http://schemas.microsoft.com/office/drawing/2014/main" val="10000"/>
+                  </a:ext>
+                </a:extLst>
               </a:tr>
             </a:tbl>
           </a:graphicData>
@@ -8572,7 +8797,7 @@
           <p:nvPr>
             <p:extLst>
               <p:ext uri="{D42A27DB-BD31-4B8C-83A1-F6EECF244321}">
-                <p14:modId xmlns:p14="http://schemas.microsoft.com/office/powerpoint/2010/main" val="1709661228"/>
+                <p14:modId xmlns:p14="http://schemas.microsoft.com/office/powerpoint/2010/main" val="3711091935"/>
               </p:ext>
             </p:extLst>
           </p:nvPr>
@@ -8588,11 +8813,41 @@
                 <a:tableStyleId>{5C22544A-7EE6-4342-B048-85BDC9FD1C3A}</a:tableStyleId>
               </a:tblPr>
               <a:tblGrid>
-                <a:gridCol w="901522"/>
-                <a:gridCol w="901522"/>
-                <a:gridCol w="901522"/>
-                <a:gridCol w="901522"/>
-                <a:gridCol w="901522"/>
+                <a:gridCol w="901522">
+                  <a:extLst>
+                    <a:ext uri="{9D8B030D-6E8A-4147-A177-3AD203B41FA5}">
+                      <a16:colId xmlns:a16="http://schemas.microsoft.com/office/drawing/2014/main" val="20000"/>
+                    </a:ext>
+                  </a:extLst>
+                </a:gridCol>
+                <a:gridCol w="901522">
+                  <a:extLst>
+                    <a:ext uri="{9D8B030D-6E8A-4147-A177-3AD203B41FA5}">
+                      <a16:colId xmlns:a16="http://schemas.microsoft.com/office/drawing/2014/main" val="20001"/>
+                    </a:ext>
+                  </a:extLst>
+                </a:gridCol>
+                <a:gridCol w="901522">
+                  <a:extLst>
+                    <a:ext uri="{9D8B030D-6E8A-4147-A177-3AD203B41FA5}">
+                      <a16:colId xmlns:a16="http://schemas.microsoft.com/office/drawing/2014/main" val="20002"/>
+                    </a:ext>
+                  </a:extLst>
+                </a:gridCol>
+                <a:gridCol w="901522">
+                  <a:extLst>
+                    <a:ext uri="{9D8B030D-6E8A-4147-A177-3AD203B41FA5}">
+                      <a16:colId xmlns:a16="http://schemas.microsoft.com/office/drawing/2014/main" val="20003"/>
+                    </a:ext>
+                  </a:extLst>
+                </a:gridCol>
+                <a:gridCol w="901522">
+                  <a:extLst>
+                    <a:ext uri="{9D8B030D-6E8A-4147-A177-3AD203B41FA5}">
+                      <a16:colId xmlns:a16="http://schemas.microsoft.com/office/drawing/2014/main" val="20004"/>
+                    </a:ext>
+                  </a:extLst>
+                </a:gridCol>
               </a:tblGrid>
               <a:tr h="613987">
                 <a:tc>
@@ -8617,7 +8872,7 @@
                         <a:tabLst/>
                         <a:defRPr/>
                       </a:pPr>
-                      <a:endParaRPr lang="en-US" sz="3200" dirty="0" smtClean="0">
+                      <a:endParaRPr lang="en-US" sz="3200" dirty="0">
                         <a:solidFill>
                           <a:srgbClr val="00B050"/>
                         </a:solidFill>
@@ -8744,18 +8999,13 @@
                     <a:p>
                       <a:pPr algn="ctr"/>
                       <a:r>
-                        <a:rPr lang="en-US" sz="3200" dirty="0" smtClean="0">
+                        <a:rPr lang="en-US" sz="3200" dirty="0">
                           <a:solidFill>
                             <a:schemeClr val="tx1"/>
                           </a:solidFill>
                         </a:rPr>
                         <a:t>1</a:t>
                       </a:r>
-                      <a:endParaRPr lang="en-US" sz="3200" dirty="0">
-                        <a:solidFill>
-                          <a:schemeClr val="tx1"/>
-                        </a:solidFill>
-                      </a:endParaRPr>
                     </a:p>
                   </a:txBody>
                   <a:tcPr>
@@ -8934,6 +9184,11 @@
                     </a:solidFill>
                   </a:tcPr>
                 </a:tc>
+                <a:extLst>
+                  <a:ext uri="{0D108BD9-81ED-4DB2-BD59-A6C34878D82A}">
+                    <a16:rowId xmlns:a16="http://schemas.microsoft.com/office/drawing/2014/main" val="10000"/>
+                  </a:ext>
+                </a:extLst>
               </a:tr>
             </a:tbl>
           </a:graphicData>
@@ -8948,7 +9203,7 @@
           <p:nvPr>
             <p:extLst>
               <p:ext uri="{D42A27DB-BD31-4B8C-83A1-F6EECF244321}">
-                <p14:modId xmlns:p14="http://schemas.microsoft.com/office/powerpoint/2010/main" val="945062136"/>
+                <p14:modId xmlns:p14="http://schemas.microsoft.com/office/powerpoint/2010/main" val="3518221"/>
               </p:ext>
             </p:extLst>
           </p:nvPr>
@@ -8964,11 +9219,41 @@
                 <a:tableStyleId>{5C22544A-7EE6-4342-B048-85BDC9FD1C3A}</a:tableStyleId>
               </a:tblPr>
               <a:tblGrid>
-                <a:gridCol w="901522"/>
-                <a:gridCol w="901522"/>
-                <a:gridCol w="901522"/>
-                <a:gridCol w="901522"/>
-                <a:gridCol w="901522"/>
+                <a:gridCol w="901522">
+                  <a:extLst>
+                    <a:ext uri="{9D8B030D-6E8A-4147-A177-3AD203B41FA5}">
+                      <a16:colId xmlns:a16="http://schemas.microsoft.com/office/drawing/2014/main" val="20000"/>
+                    </a:ext>
+                  </a:extLst>
+                </a:gridCol>
+                <a:gridCol w="901522">
+                  <a:extLst>
+                    <a:ext uri="{9D8B030D-6E8A-4147-A177-3AD203B41FA5}">
+                      <a16:colId xmlns:a16="http://schemas.microsoft.com/office/drawing/2014/main" val="20001"/>
+                    </a:ext>
+                  </a:extLst>
+                </a:gridCol>
+                <a:gridCol w="901522">
+                  <a:extLst>
+                    <a:ext uri="{9D8B030D-6E8A-4147-A177-3AD203B41FA5}">
+                      <a16:colId xmlns:a16="http://schemas.microsoft.com/office/drawing/2014/main" val="20002"/>
+                    </a:ext>
+                  </a:extLst>
+                </a:gridCol>
+                <a:gridCol w="901522">
+                  <a:extLst>
+                    <a:ext uri="{9D8B030D-6E8A-4147-A177-3AD203B41FA5}">
+                      <a16:colId xmlns:a16="http://schemas.microsoft.com/office/drawing/2014/main" val="20003"/>
+                    </a:ext>
+                  </a:extLst>
+                </a:gridCol>
+                <a:gridCol w="901522">
+                  <a:extLst>
+                    <a:ext uri="{9D8B030D-6E8A-4147-A177-3AD203B41FA5}">
+                      <a16:colId xmlns:a16="http://schemas.microsoft.com/office/drawing/2014/main" val="20004"/>
+                    </a:ext>
+                  </a:extLst>
+                </a:gridCol>
               </a:tblGrid>
               <a:tr h="613987">
                 <a:tc>
@@ -8993,7 +9278,7 @@
                         <a:tabLst/>
                         <a:defRPr/>
                       </a:pPr>
-                      <a:endParaRPr lang="en-US" sz="3200" dirty="0" smtClean="0">
+                      <a:endParaRPr lang="en-US" sz="3200" dirty="0">
                         <a:solidFill>
                           <a:schemeClr val="tx1"/>
                         </a:solidFill>
@@ -9120,18 +9405,13 @@
                     <a:p>
                       <a:pPr algn="ctr"/>
                       <a:r>
-                        <a:rPr lang="en-US" sz="3200" dirty="0" smtClean="0">
+                        <a:rPr lang="en-US" sz="3200" dirty="0">
                           <a:solidFill>
                             <a:srgbClr val="000000"/>
                           </a:solidFill>
                         </a:rPr>
                         <a:t>1</a:t>
                       </a:r>
-                      <a:endParaRPr lang="en-US" sz="3200" dirty="0">
-                        <a:solidFill>
-                          <a:srgbClr val="000000"/>
-                        </a:solidFill>
-                      </a:endParaRPr>
                     </a:p>
                   </a:txBody>
                   <a:tcPr>
@@ -9206,7 +9486,7 @@
                         <a:tabLst/>
                         <a:defRPr/>
                       </a:pPr>
-                      <a:endParaRPr lang="en-US" sz="3200" dirty="0" smtClean="0">
+                      <a:endParaRPr lang="en-US" sz="3200" dirty="0">
                         <a:solidFill>
                           <a:srgbClr val="00B050"/>
                         </a:solidFill>
@@ -9270,7 +9550,7 @@
                     <a:p>
                       <a:pPr algn="ctr"/>
                       <a:r>
-                        <a:rPr lang="en-US" sz="3200" dirty="0" smtClean="0">
+                        <a:rPr lang="en-US" sz="3200" dirty="0">
                           <a:solidFill>
                             <a:srgbClr val="00B050"/>
                           </a:solidFill>
@@ -9334,6 +9614,11 @@
                     </a:solidFill>
                   </a:tcPr>
                 </a:tc>
+                <a:extLst>
+                  <a:ext uri="{0D108BD9-81ED-4DB2-BD59-A6C34878D82A}">
+                    <a16:rowId xmlns:a16="http://schemas.microsoft.com/office/drawing/2014/main" val="10000"/>
+                  </a:ext>
+                </a:extLst>
               </a:tr>
             </a:tbl>
           </a:graphicData>
@@ -9348,7 +9633,7 @@
           <p:nvPr>
             <p:extLst>
               <p:ext uri="{D42A27DB-BD31-4B8C-83A1-F6EECF244321}">
-                <p14:modId xmlns:p14="http://schemas.microsoft.com/office/powerpoint/2010/main" val="870266540"/>
+                <p14:modId xmlns:p14="http://schemas.microsoft.com/office/powerpoint/2010/main" val="2124400318"/>
               </p:ext>
             </p:extLst>
           </p:nvPr>
@@ -9364,11 +9649,41 @@
                 <a:tableStyleId>{5C22544A-7EE6-4342-B048-85BDC9FD1C3A}</a:tableStyleId>
               </a:tblPr>
               <a:tblGrid>
-                <a:gridCol w="901522"/>
-                <a:gridCol w="901522"/>
-                <a:gridCol w="901522"/>
-                <a:gridCol w="901522"/>
-                <a:gridCol w="901522"/>
+                <a:gridCol w="901522">
+                  <a:extLst>
+                    <a:ext uri="{9D8B030D-6E8A-4147-A177-3AD203B41FA5}">
+                      <a16:colId xmlns:a16="http://schemas.microsoft.com/office/drawing/2014/main" val="20000"/>
+                    </a:ext>
+                  </a:extLst>
+                </a:gridCol>
+                <a:gridCol w="901522">
+                  <a:extLst>
+                    <a:ext uri="{9D8B030D-6E8A-4147-A177-3AD203B41FA5}">
+                      <a16:colId xmlns:a16="http://schemas.microsoft.com/office/drawing/2014/main" val="20001"/>
+                    </a:ext>
+                  </a:extLst>
+                </a:gridCol>
+                <a:gridCol w="901522">
+                  <a:extLst>
+                    <a:ext uri="{9D8B030D-6E8A-4147-A177-3AD203B41FA5}">
+                      <a16:colId xmlns:a16="http://schemas.microsoft.com/office/drawing/2014/main" val="20002"/>
+                    </a:ext>
+                  </a:extLst>
+                </a:gridCol>
+                <a:gridCol w="901522">
+                  <a:extLst>
+                    <a:ext uri="{9D8B030D-6E8A-4147-A177-3AD203B41FA5}">
+                      <a16:colId xmlns:a16="http://schemas.microsoft.com/office/drawing/2014/main" val="20003"/>
+                    </a:ext>
+                  </a:extLst>
+                </a:gridCol>
+                <a:gridCol w="901522">
+                  <a:extLst>
+                    <a:ext uri="{9D8B030D-6E8A-4147-A177-3AD203B41FA5}">
+                      <a16:colId xmlns:a16="http://schemas.microsoft.com/office/drawing/2014/main" val="20004"/>
+                    </a:ext>
+                  </a:extLst>
+                </a:gridCol>
               </a:tblGrid>
               <a:tr h="613987">
                 <a:tc>
@@ -9393,7 +9708,7 @@
                         <a:tabLst/>
                         <a:defRPr/>
                       </a:pPr>
-                      <a:endParaRPr lang="en-US" sz="3200" dirty="0" smtClean="0">
+                      <a:endParaRPr lang="en-US" sz="3200" dirty="0">
                         <a:solidFill>
                           <a:schemeClr val="tx1"/>
                         </a:solidFill>
@@ -9536,7 +9851,7 @@
                         <a:defRPr/>
                       </a:pPr>
                       <a:r>
-                        <a:rPr lang="en-US" sz="3200" dirty="0" smtClean="0">
+                        <a:rPr lang="en-US" sz="3200" dirty="0">
                           <a:solidFill>
                             <a:srgbClr val="000000"/>
                           </a:solidFill>
@@ -9602,18 +9917,13 @@
                     <a:p>
                       <a:pPr algn="ctr"/>
                       <a:r>
-                        <a:rPr lang="en-US" sz="3200" dirty="0" smtClean="0">
+                        <a:rPr lang="en-US" sz="3200" dirty="0">
                           <a:solidFill>
                             <a:srgbClr val="00B050"/>
                           </a:solidFill>
                         </a:rPr>
                         <a:t>3</a:t>
                       </a:r>
-                      <a:endParaRPr lang="en-US" sz="3200" dirty="0">
-                        <a:solidFill>
-                          <a:srgbClr val="00B050"/>
-                        </a:solidFill>
-                      </a:endParaRPr>
                     </a:p>
                   </a:txBody>
                   <a:tcPr>
@@ -9673,18 +9983,13 @@
                     <a:p>
                       <a:pPr algn="ctr"/>
                       <a:r>
-                        <a:rPr lang="en-US" sz="3200" dirty="0" smtClean="0">
+                        <a:rPr lang="en-US" sz="3200" dirty="0">
                           <a:solidFill>
                             <a:schemeClr val="tx1"/>
                           </a:solidFill>
                         </a:rPr>
                         <a:t>2</a:t>
                       </a:r>
-                      <a:endParaRPr lang="en-US" sz="3200" dirty="0">
-                        <a:solidFill>
-                          <a:schemeClr val="tx1"/>
-                        </a:solidFill>
-                      </a:endParaRPr>
                     </a:p>
                   </a:txBody>
                   <a:tcPr>
@@ -9737,6 +10042,11 @@
                     </a:solidFill>
                   </a:tcPr>
                 </a:tc>
+                <a:extLst>
+                  <a:ext uri="{0D108BD9-81ED-4DB2-BD59-A6C34878D82A}">
+                    <a16:rowId xmlns:a16="http://schemas.microsoft.com/office/drawing/2014/main" val="10000"/>
+                  </a:ext>
+                </a:extLst>
               </a:tr>
             </a:tbl>
           </a:graphicData>
@@ -9765,7 +10075,7 @@
           <a:lstStyle/>
           <a:p>
             <a:r>
-              <a:rPr lang="en-US" sz="3200" dirty="0" smtClean="0"/>
+              <a:rPr lang="en-US" sz="3200" dirty="0"/>
               <a:t>Insert </a:t>
             </a:r>
             <a:r>
@@ -9776,11 +10086,6 @@
               </a:rPr>
               <a:t>1</a:t>
             </a:r>
-            <a:endParaRPr lang="en-US" sz="3200" dirty="0" smtClean="0">
-              <a:solidFill>
-                <a:srgbClr val="00B050"/>
-              </a:solidFill>
-            </a:endParaRPr>
           </a:p>
         </p:txBody>
       </p:sp>
@@ -9807,7 +10112,7 @@
           <a:lstStyle/>
           <a:p>
             <a:r>
-              <a:rPr lang="en-US" sz="3200" dirty="0" smtClean="0"/>
+              <a:rPr lang="en-US" sz="3200" dirty="0"/>
               <a:t>Insert </a:t>
             </a:r>
             <a:r>
@@ -9818,11 +10123,6 @@
               </a:rPr>
               <a:t>2</a:t>
             </a:r>
-            <a:endParaRPr lang="en-US" sz="3200" dirty="0" smtClean="0">
-              <a:solidFill>
-                <a:srgbClr val="00B050"/>
-              </a:solidFill>
-            </a:endParaRPr>
           </a:p>
         </p:txBody>
       </p:sp>
@@ -9890,18 +10190,13 @@
               <a:t>Insert </a:t>
             </a:r>
             <a:r>
-              <a:rPr lang="en-US" sz="3200" dirty="0" smtClean="0">
+              <a:rPr lang="en-US" sz="3200" dirty="0">
                 <a:solidFill>
                   <a:srgbClr val="00B050"/>
                 </a:solidFill>
               </a:rPr>
               <a:t>4</a:t>
             </a:r>
-            <a:endParaRPr lang="en-US" sz="3200" dirty="0">
-              <a:solidFill>
-                <a:srgbClr val="00B050"/>
-              </a:solidFill>
-            </a:endParaRPr>
           </a:p>
         </p:txBody>
       </p:sp>
@@ -9914,7 +10209,7 @@
           <p:nvPr>
             <p:extLst>
               <p:ext uri="{D42A27DB-BD31-4B8C-83A1-F6EECF244321}">
-                <p14:modId xmlns:p14="http://schemas.microsoft.com/office/powerpoint/2010/main" val="58618063"/>
+                <p14:modId xmlns:p14="http://schemas.microsoft.com/office/powerpoint/2010/main" val="1060647168"/>
               </p:ext>
             </p:extLst>
           </p:nvPr>
@@ -9930,11 +10225,41 @@
                 <a:tableStyleId>{5C22544A-7EE6-4342-B048-85BDC9FD1C3A}</a:tableStyleId>
               </a:tblPr>
               <a:tblGrid>
-                <a:gridCol w="901522"/>
-                <a:gridCol w="901522"/>
-                <a:gridCol w="901522"/>
-                <a:gridCol w="901522"/>
-                <a:gridCol w="901522"/>
+                <a:gridCol w="901522">
+                  <a:extLst>
+                    <a:ext uri="{9D8B030D-6E8A-4147-A177-3AD203B41FA5}">
+                      <a16:colId xmlns:a16="http://schemas.microsoft.com/office/drawing/2014/main" val="20000"/>
+                    </a:ext>
+                  </a:extLst>
+                </a:gridCol>
+                <a:gridCol w="901522">
+                  <a:extLst>
+                    <a:ext uri="{9D8B030D-6E8A-4147-A177-3AD203B41FA5}">
+                      <a16:colId xmlns:a16="http://schemas.microsoft.com/office/drawing/2014/main" val="20001"/>
+                    </a:ext>
+                  </a:extLst>
+                </a:gridCol>
+                <a:gridCol w="901522">
+                  <a:extLst>
+                    <a:ext uri="{9D8B030D-6E8A-4147-A177-3AD203B41FA5}">
+                      <a16:colId xmlns:a16="http://schemas.microsoft.com/office/drawing/2014/main" val="20002"/>
+                    </a:ext>
+                  </a:extLst>
+                </a:gridCol>
+                <a:gridCol w="901522">
+                  <a:extLst>
+                    <a:ext uri="{9D8B030D-6E8A-4147-A177-3AD203B41FA5}">
+                      <a16:colId xmlns:a16="http://schemas.microsoft.com/office/drawing/2014/main" val="20003"/>
+                    </a:ext>
+                  </a:extLst>
+                </a:gridCol>
+                <a:gridCol w="901522">
+                  <a:extLst>
+                    <a:ext uri="{9D8B030D-6E8A-4147-A177-3AD203B41FA5}">
+                      <a16:colId xmlns:a16="http://schemas.microsoft.com/office/drawing/2014/main" val="20004"/>
+                    </a:ext>
+                  </a:extLst>
+                </a:gridCol>
               </a:tblGrid>
               <a:tr h="613987">
                 <a:tc>
@@ -9959,7 +10284,7 @@
                         <a:tabLst/>
                         <a:defRPr/>
                       </a:pPr>
-                      <a:endParaRPr lang="en-US" sz="3200" dirty="0" smtClean="0">
+                      <a:endParaRPr lang="en-US" sz="3200" dirty="0">
                         <a:solidFill>
                           <a:schemeClr val="tx1"/>
                         </a:solidFill>
@@ -10023,18 +10348,13 @@
                     <a:p>
                       <a:pPr algn="ctr"/>
                       <a:r>
-                        <a:rPr lang="en-US" sz="3200" dirty="0" smtClean="0">
+                        <a:rPr lang="en-US" sz="3200" dirty="0">
                           <a:solidFill>
                             <a:srgbClr val="00B050"/>
                           </a:solidFill>
                         </a:rPr>
                         <a:t>4</a:t>
                       </a:r>
-                      <a:endParaRPr lang="en-US" sz="3200" dirty="0">
-                        <a:solidFill>
-                          <a:srgbClr val="00B050"/>
-                        </a:solidFill>
-                      </a:endParaRPr>
                     </a:p>
                   </a:txBody>
                   <a:tcPr>
@@ -10110,7 +10430,7 @@
                         <a:defRPr/>
                       </a:pPr>
                       <a:r>
-                        <a:rPr lang="en-US" sz="3200" dirty="0" smtClean="0">
+                        <a:rPr lang="en-US" sz="3200" dirty="0">
                           <a:solidFill>
                             <a:srgbClr val="000000"/>
                           </a:solidFill>
@@ -10176,18 +10496,13 @@
                     <a:p>
                       <a:pPr algn="ctr"/>
                       <a:r>
-                        <a:rPr lang="en-US" sz="3200" dirty="0" smtClean="0">
+                        <a:rPr lang="en-US" sz="3200" dirty="0">
                           <a:solidFill>
                             <a:srgbClr val="000000"/>
                           </a:solidFill>
                         </a:rPr>
                         <a:t>3</a:t>
                       </a:r>
-                      <a:endParaRPr lang="en-US" sz="3200" dirty="0">
-                        <a:solidFill>
-                          <a:srgbClr val="000000"/>
-                        </a:solidFill>
-                      </a:endParaRPr>
                     </a:p>
                   </a:txBody>
                   <a:tcPr>
@@ -10247,18 +10562,13 @@
                     <a:p>
                       <a:pPr algn="ctr"/>
                       <a:r>
-                        <a:rPr lang="en-US" sz="3200" dirty="0" smtClean="0">
+                        <a:rPr lang="en-US" sz="3200" dirty="0">
                           <a:solidFill>
                             <a:schemeClr val="tx1"/>
                           </a:solidFill>
                         </a:rPr>
                         <a:t>2</a:t>
                       </a:r>
-                      <a:endParaRPr lang="en-US" sz="3200" dirty="0">
-                        <a:solidFill>
-                          <a:schemeClr val="tx1"/>
-                        </a:solidFill>
-                      </a:endParaRPr>
                     </a:p>
                   </a:txBody>
                   <a:tcPr>
@@ -10311,6 +10621,11 @@
                     </a:solidFill>
                   </a:tcPr>
                 </a:tc>
+                <a:extLst>
+                  <a:ext uri="{0D108BD9-81ED-4DB2-BD59-A6C34878D82A}">
+                    <a16:rowId xmlns:a16="http://schemas.microsoft.com/office/drawing/2014/main" val="10000"/>
+                  </a:ext>
+                </a:extLst>
               </a:tr>
             </a:tbl>
           </a:graphicData>
@@ -10371,11 +10686,41 @@
                 <a:tableStyleId>{5C22544A-7EE6-4342-B048-85BDC9FD1C3A}</a:tableStyleId>
               </a:tblPr>
               <a:tblGrid>
-                <a:gridCol w="980201"/>
-                <a:gridCol w="980201"/>
-                <a:gridCol w="980201"/>
-                <a:gridCol w="980201"/>
-                <a:gridCol w="980201"/>
+                <a:gridCol w="980201">
+                  <a:extLst>
+                    <a:ext uri="{9D8B030D-6E8A-4147-A177-3AD203B41FA5}">
+                      <a16:colId xmlns:a16="http://schemas.microsoft.com/office/drawing/2014/main" val="20000"/>
+                    </a:ext>
+                  </a:extLst>
+                </a:gridCol>
+                <a:gridCol w="980201">
+                  <a:extLst>
+                    <a:ext uri="{9D8B030D-6E8A-4147-A177-3AD203B41FA5}">
+                      <a16:colId xmlns:a16="http://schemas.microsoft.com/office/drawing/2014/main" val="20001"/>
+                    </a:ext>
+                  </a:extLst>
+                </a:gridCol>
+                <a:gridCol w="980201">
+                  <a:extLst>
+                    <a:ext uri="{9D8B030D-6E8A-4147-A177-3AD203B41FA5}">
+                      <a16:colId xmlns:a16="http://schemas.microsoft.com/office/drawing/2014/main" val="20002"/>
+                    </a:ext>
+                  </a:extLst>
+                </a:gridCol>
+                <a:gridCol w="980201">
+                  <a:extLst>
+                    <a:ext uri="{9D8B030D-6E8A-4147-A177-3AD203B41FA5}">
+                      <a16:colId xmlns:a16="http://schemas.microsoft.com/office/drawing/2014/main" val="20003"/>
+                    </a:ext>
+                  </a:extLst>
+                </a:gridCol>
+                <a:gridCol w="980201">
+                  <a:extLst>
+                    <a:ext uri="{9D8B030D-6E8A-4147-A177-3AD203B41FA5}">
+                      <a16:colId xmlns:a16="http://schemas.microsoft.com/office/drawing/2014/main" val="20004"/>
+                    </a:ext>
+                  </a:extLst>
+                </a:gridCol>
               </a:tblGrid>
               <a:tr h="613987">
                 <a:tc>
@@ -10401,7 +10746,7 @@
                         <a:defRPr/>
                       </a:pPr>
                       <a:r>
-                        <a:rPr lang="en-US" sz="3200" b="0" dirty="0" smtClean="0">
+                        <a:rPr lang="en-US" sz="3200" b="0" dirty="0">
                           <a:solidFill>
                             <a:schemeClr val="tx1"/>
                           </a:solidFill>
@@ -10467,18 +10812,13 @@
                     <a:p>
                       <a:pPr algn="ctr"/>
                       <a:r>
-                        <a:rPr lang="en-US" sz="3200" b="0" dirty="0" smtClean="0">
+                        <a:rPr lang="en-US" sz="3200" b="0" dirty="0">
                           <a:solidFill>
                             <a:schemeClr val="tx1"/>
                           </a:solidFill>
                         </a:rPr>
                         <a:t>?</a:t>
                       </a:r>
-                      <a:endParaRPr lang="en-US" sz="3200" b="0" dirty="0">
-                        <a:solidFill>
-                          <a:schemeClr val="tx1"/>
-                        </a:solidFill>
-                      </a:endParaRPr>
                     </a:p>
                   </a:txBody>
                   <a:tcPr>
@@ -10554,7 +10894,7 @@
                         <a:defRPr/>
                       </a:pPr>
                       <a:r>
-                        <a:rPr lang="en-US" sz="3200" b="0" dirty="0" smtClean="0">
+                        <a:rPr lang="en-US" sz="3200" b="0" dirty="0">
                           <a:solidFill>
                             <a:schemeClr val="tx1"/>
                           </a:solidFill>
@@ -10636,7 +10976,7 @@
                         <a:defRPr/>
                       </a:pPr>
                       <a:r>
-                        <a:rPr lang="en-US" sz="3200" b="0" dirty="0" smtClean="0">
+                        <a:rPr lang="en-US" sz="3200" b="0" dirty="0">
                           <a:solidFill>
                             <a:schemeClr val="tx1"/>
                           </a:solidFill>
@@ -10718,7 +11058,7 @@
                         <a:defRPr/>
                       </a:pPr>
                       <a:r>
-                        <a:rPr lang="en-US" sz="3200" b="0" dirty="0" smtClean="0">
+                        <a:rPr lang="en-US" sz="3200" b="0" dirty="0">
                           <a:solidFill>
                             <a:schemeClr val="tx1"/>
                           </a:solidFill>
@@ -10777,6 +11117,11 @@
                     </a:solidFill>
                   </a:tcPr>
                 </a:tc>
+                <a:extLst>
+                  <a:ext uri="{0D108BD9-81ED-4DB2-BD59-A6C34878D82A}">
+                    <a16:rowId xmlns:a16="http://schemas.microsoft.com/office/drawing/2014/main" val="10000"/>
+                  </a:ext>
+                </a:extLst>
               </a:tr>
             </a:tbl>
           </a:graphicData>
@@ -10807,11 +11152,41 @@
                 <a:tableStyleId>{2D5ABB26-0587-4C30-8999-92F81FD0307C}</a:tableStyleId>
               </a:tblPr>
               <a:tblGrid>
-                <a:gridCol w="979575"/>
-                <a:gridCol w="979575"/>
-                <a:gridCol w="979575"/>
-                <a:gridCol w="979575"/>
-                <a:gridCol w="979575"/>
+                <a:gridCol w="979575">
+                  <a:extLst>
+                    <a:ext uri="{9D8B030D-6E8A-4147-A177-3AD203B41FA5}">
+                      <a16:colId xmlns:a16="http://schemas.microsoft.com/office/drawing/2014/main" val="20000"/>
+                    </a:ext>
+                  </a:extLst>
+                </a:gridCol>
+                <a:gridCol w="979575">
+                  <a:extLst>
+                    <a:ext uri="{9D8B030D-6E8A-4147-A177-3AD203B41FA5}">
+                      <a16:colId xmlns:a16="http://schemas.microsoft.com/office/drawing/2014/main" val="20001"/>
+                    </a:ext>
+                  </a:extLst>
+                </a:gridCol>
+                <a:gridCol w="979575">
+                  <a:extLst>
+                    <a:ext uri="{9D8B030D-6E8A-4147-A177-3AD203B41FA5}">
+                      <a16:colId xmlns:a16="http://schemas.microsoft.com/office/drawing/2014/main" val="20002"/>
+                    </a:ext>
+                  </a:extLst>
+                </a:gridCol>
+                <a:gridCol w="979575">
+                  <a:extLst>
+                    <a:ext uri="{9D8B030D-6E8A-4147-A177-3AD203B41FA5}">
+                      <a16:colId xmlns:a16="http://schemas.microsoft.com/office/drawing/2014/main" val="20003"/>
+                    </a:ext>
+                  </a:extLst>
+                </a:gridCol>
+                <a:gridCol w="979575">
+                  <a:extLst>
+                    <a:ext uri="{9D8B030D-6E8A-4147-A177-3AD203B41FA5}">
+                      <a16:colId xmlns:a16="http://schemas.microsoft.com/office/drawing/2014/main" val="20004"/>
+                    </a:ext>
+                  </a:extLst>
+                </a:gridCol>
               </a:tblGrid>
               <a:tr h="613987">
                 <a:tc>
@@ -10821,7 +11196,7 @@
                     <a:p>
                       <a:pPr algn="ctr"/>
                       <a:r>
-                        <a:rPr lang="en-US" sz="3200" dirty="0" smtClean="0"/>
+                        <a:rPr lang="en-US" sz="3200" dirty="0"/>
                         <a:t>0</a:t>
                       </a:r>
                       <a:endParaRPr lang="en-US" sz="3200" dirty="0">
@@ -10840,7 +11215,7 @@
                     <a:p>
                       <a:pPr algn="ctr"/>
                       <a:r>
-                        <a:rPr lang="en-US" sz="3200" dirty="0" smtClean="0"/>
+                        <a:rPr lang="en-US" sz="3200" dirty="0"/>
                         <a:t>1</a:t>
                       </a:r>
                       <a:endParaRPr lang="en-US" sz="3200" dirty="0">
@@ -10859,7 +11234,7 @@
                     <a:p>
                       <a:pPr algn="ctr"/>
                       <a:r>
-                        <a:rPr lang="en-US" sz="3200" dirty="0" smtClean="0"/>
+                        <a:rPr lang="en-US" sz="3200" dirty="0"/>
                         <a:t>2</a:t>
                       </a:r>
                       <a:endParaRPr lang="en-US" sz="3200" dirty="0">
@@ -10878,7 +11253,7 @@
                     <a:p>
                       <a:pPr algn="ctr"/>
                       <a:r>
-                        <a:rPr lang="en-US" sz="3200" dirty="0" smtClean="0"/>
+                        <a:rPr lang="en-US" sz="3200" dirty="0"/>
                         <a:t>3</a:t>
                       </a:r>
                       <a:endParaRPr lang="en-US" sz="3200" dirty="0">
@@ -10897,7 +11272,7 @@
                     <a:p>
                       <a:pPr algn="ctr"/>
                       <a:r>
-                        <a:rPr lang="en-US" sz="3200" dirty="0" smtClean="0"/>
+                        <a:rPr lang="en-US" sz="3200" dirty="0"/>
                         <a:t>4</a:t>
                       </a:r>
                       <a:endParaRPr lang="en-US" sz="3200" dirty="0">
@@ -10909,6 +11284,11 @@
                   </a:txBody>
                   <a:tcPr/>
                 </a:tc>
+                <a:extLst>
+                  <a:ext uri="{0D108BD9-81ED-4DB2-BD59-A6C34878D82A}">
+                    <a16:rowId xmlns:a16="http://schemas.microsoft.com/office/drawing/2014/main" val="10000"/>
+                  </a:ext>
+                </a:extLst>
               </a:tr>
             </a:tbl>
           </a:graphicData>
@@ -10969,13 +11349,55 @@
                 <a:tableStyleId>{5C22544A-7EE6-4342-B048-85BDC9FD1C3A}</a:tableStyleId>
               </a:tblPr>
               <a:tblGrid>
-                <a:gridCol w="980201"/>
-                <a:gridCol w="980201"/>
-                <a:gridCol w="980201"/>
-                <a:gridCol w="980201"/>
-                <a:gridCol w="980201"/>
-                <a:gridCol w="980201"/>
-                <a:gridCol w="980201"/>
+                <a:gridCol w="980201">
+                  <a:extLst>
+                    <a:ext uri="{9D8B030D-6E8A-4147-A177-3AD203B41FA5}">
+                      <a16:colId xmlns:a16="http://schemas.microsoft.com/office/drawing/2014/main" val="20000"/>
+                    </a:ext>
+                  </a:extLst>
+                </a:gridCol>
+                <a:gridCol w="980201">
+                  <a:extLst>
+                    <a:ext uri="{9D8B030D-6E8A-4147-A177-3AD203B41FA5}">
+                      <a16:colId xmlns:a16="http://schemas.microsoft.com/office/drawing/2014/main" val="20001"/>
+                    </a:ext>
+                  </a:extLst>
+                </a:gridCol>
+                <a:gridCol w="980201">
+                  <a:extLst>
+                    <a:ext uri="{9D8B030D-6E8A-4147-A177-3AD203B41FA5}">
+                      <a16:colId xmlns:a16="http://schemas.microsoft.com/office/drawing/2014/main" val="20002"/>
+                    </a:ext>
+                  </a:extLst>
+                </a:gridCol>
+                <a:gridCol w="980201">
+                  <a:extLst>
+                    <a:ext uri="{9D8B030D-6E8A-4147-A177-3AD203B41FA5}">
+                      <a16:colId xmlns:a16="http://schemas.microsoft.com/office/drawing/2014/main" val="20003"/>
+                    </a:ext>
+                  </a:extLst>
+                </a:gridCol>
+                <a:gridCol w="980201">
+                  <a:extLst>
+                    <a:ext uri="{9D8B030D-6E8A-4147-A177-3AD203B41FA5}">
+                      <a16:colId xmlns:a16="http://schemas.microsoft.com/office/drawing/2014/main" val="20004"/>
+                    </a:ext>
+                  </a:extLst>
+                </a:gridCol>
+                <a:gridCol w="980201">
+                  <a:extLst>
+                    <a:ext uri="{9D8B030D-6E8A-4147-A177-3AD203B41FA5}">
+                      <a16:colId xmlns:a16="http://schemas.microsoft.com/office/drawing/2014/main" val="20005"/>
+                    </a:ext>
+                  </a:extLst>
+                </a:gridCol>
+                <a:gridCol w="980201">
+                  <a:extLst>
+                    <a:ext uri="{9D8B030D-6E8A-4147-A177-3AD203B41FA5}">
+                      <a16:colId xmlns:a16="http://schemas.microsoft.com/office/drawing/2014/main" val="20006"/>
+                    </a:ext>
+                  </a:extLst>
+                </a:gridCol>
               </a:tblGrid>
               <a:tr h="613987">
                 <a:tc>
@@ -11001,7 +11423,7 @@
                         <a:defRPr/>
                       </a:pPr>
                       <a:r>
-                        <a:rPr lang="en-US" sz="3200" b="0" dirty="0" smtClean="0">
+                        <a:rPr lang="en-US" sz="3200" b="0" dirty="0">
                           <a:solidFill>
                             <a:schemeClr val="tx1"/>
                           </a:solidFill>
@@ -11067,18 +11489,13 @@
                     <a:p>
                       <a:pPr algn="ctr"/>
                       <a:r>
-                        <a:rPr lang="en-US" sz="3200" b="0" dirty="0" smtClean="0">
+                        <a:rPr lang="en-US" sz="3200" b="0" dirty="0">
                           <a:solidFill>
                             <a:schemeClr val="tx1"/>
                           </a:solidFill>
                         </a:rPr>
                         <a:t>?</a:t>
                       </a:r>
-                      <a:endParaRPr lang="en-US" sz="3200" b="0" dirty="0">
-                        <a:solidFill>
-                          <a:schemeClr val="tx1"/>
-                        </a:solidFill>
-                      </a:endParaRPr>
                     </a:p>
                   </a:txBody>
                   <a:tcPr>
@@ -11154,7 +11571,7 @@
                         <a:defRPr/>
                       </a:pPr>
                       <a:r>
-                        <a:rPr lang="en-US" sz="3200" b="0" dirty="0" smtClean="0">
+                        <a:rPr lang="en-US" sz="3200" b="0" dirty="0">
                           <a:solidFill>
                             <a:schemeClr val="tx1"/>
                           </a:solidFill>
@@ -11236,7 +11653,7 @@
                         <a:defRPr/>
                       </a:pPr>
                       <a:r>
-                        <a:rPr lang="en-US" sz="3200" b="0" dirty="0" smtClean="0">
+                        <a:rPr lang="en-US" sz="3200" b="0" dirty="0">
                           <a:solidFill>
                             <a:schemeClr val="tx1"/>
                           </a:solidFill>
@@ -11318,7 +11735,7 @@
                         <a:defRPr/>
                       </a:pPr>
                       <a:r>
-                        <a:rPr lang="en-US" sz="3200" b="0" dirty="0" smtClean="0">
+                        <a:rPr lang="en-US" sz="3200" b="0" dirty="0">
                           <a:solidFill>
                             <a:schemeClr val="tx1"/>
                           </a:solidFill>
@@ -11400,7 +11817,7 @@
                         <a:defRPr/>
                       </a:pPr>
                       <a:r>
-                        <a:rPr lang="en-US" sz="3200" b="0" dirty="0" smtClean="0">
+                        <a:rPr lang="en-US" sz="3200" b="0" dirty="0">
                           <a:solidFill>
                             <a:schemeClr val="tx1"/>
                           </a:solidFill>
@@ -11482,7 +11899,7 @@
                         <a:defRPr/>
                       </a:pPr>
                       <a:r>
-                        <a:rPr lang="en-US" sz="3200" b="0" dirty="0" smtClean="0">
+                        <a:rPr lang="en-US" sz="3200" b="0" dirty="0">
                           <a:solidFill>
                             <a:schemeClr val="tx1"/>
                           </a:solidFill>
@@ -11541,6 +11958,11 @@
                     </a:solidFill>
                   </a:tcPr>
                 </a:tc>
+                <a:extLst>
+                  <a:ext uri="{0D108BD9-81ED-4DB2-BD59-A6C34878D82A}">
+                    <a16:rowId xmlns:a16="http://schemas.microsoft.com/office/drawing/2014/main" val="10000"/>
+                  </a:ext>
+                </a:extLst>
               </a:tr>
             </a:tbl>
           </a:graphicData>
@@ -11571,13 +11993,55 @@
                 <a:tableStyleId>{2D5ABB26-0587-4C30-8999-92F81FD0307C}</a:tableStyleId>
               </a:tblPr>
               <a:tblGrid>
-                <a:gridCol w="979575"/>
-                <a:gridCol w="979575"/>
-                <a:gridCol w="979575"/>
-                <a:gridCol w="979575"/>
-                <a:gridCol w="979575"/>
-                <a:gridCol w="979575"/>
-                <a:gridCol w="979575"/>
+                <a:gridCol w="979575">
+                  <a:extLst>
+                    <a:ext uri="{9D8B030D-6E8A-4147-A177-3AD203B41FA5}">
+                      <a16:colId xmlns:a16="http://schemas.microsoft.com/office/drawing/2014/main" val="20000"/>
+                    </a:ext>
+                  </a:extLst>
+                </a:gridCol>
+                <a:gridCol w="979575">
+                  <a:extLst>
+                    <a:ext uri="{9D8B030D-6E8A-4147-A177-3AD203B41FA5}">
+                      <a16:colId xmlns:a16="http://schemas.microsoft.com/office/drawing/2014/main" val="20001"/>
+                    </a:ext>
+                  </a:extLst>
+                </a:gridCol>
+                <a:gridCol w="979575">
+                  <a:extLst>
+                    <a:ext uri="{9D8B030D-6E8A-4147-A177-3AD203B41FA5}">
+                      <a16:colId xmlns:a16="http://schemas.microsoft.com/office/drawing/2014/main" val="20002"/>
+                    </a:ext>
+                  </a:extLst>
+                </a:gridCol>
+                <a:gridCol w="979575">
+                  <a:extLst>
+                    <a:ext uri="{9D8B030D-6E8A-4147-A177-3AD203B41FA5}">
+                      <a16:colId xmlns:a16="http://schemas.microsoft.com/office/drawing/2014/main" val="20003"/>
+                    </a:ext>
+                  </a:extLst>
+                </a:gridCol>
+                <a:gridCol w="979575">
+                  <a:extLst>
+                    <a:ext uri="{9D8B030D-6E8A-4147-A177-3AD203B41FA5}">
+                      <a16:colId xmlns:a16="http://schemas.microsoft.com/office/drawing/2014/main" val="20004"/>
+                    </a:ext>
+                  </a:extLst>
+                </a:gridCol>
+                <a:gridCol w="979575">
+                  <a:extLst>
+                    <a:ext uri="{9D8B030D-6E8A-4147-A177-3AD203B41FA5}">
+                      <a16:colId xmlns:a16="http://schemas.microsoft.com/office/drawing/2014/main" val="20005"/>
+                    </a:ext>
+                  </a:extLst>
+                </a:gridCol>
+                <a:gridCol w="979575">
+                  <a:extLst>
+                    <a:ext uri="{9D8B030D-6E8A-4147-A177-3AD203B41FA5}">
+                      <a16:colId xmlns:a16="http://schemas.microsoft.com/office/drawing/2014/main" val="20006"/>
+                    </a:ext>
+                  </a:extLst>
+                </a:gridCol>
               </a:tblGrid>
               <a:tr h="613987">
                 <a:tc>
@@ -11587,7 +12051,7 @@
                     <a:p>
                       <a:pPr algn="ctr"/>
                       <a:r>
-                        <a:rPr lang="en-US" sz="3200" dirty="0" smtClean="0"/>
+                        <a:rPr lang="en-US" sz="3200" dirty="0"/>
                         <a:t>0</a:t>
                       </a:r>
                       <a:endParaRPr lang="en-US" sz="3200" dirty="0">
@@ -11606,7 +12070,7 @@
                     <a:p>
                       <a:pPr algn="ctr"/>
                       <a:r>
-                        <a:rPr lang="en-US" sz="3200" dirty="0" smtClean="0"/>
+                        <a:rPr lang="en-US" sz="3200" dirty="0"/>
                         <a:t>1</a:t>
                       </a:r>
                       <a:endParaRPr lang="en-US" sz="3200" dirty="0">
@@ -11625,7 +12089,7 @@
                     <a:p>
                       <a:pPr algn="ctr"/>
                       <a:r>
-                        <a:rPr lang="en-US" sz="3200" dirty="0" smtClean="0"/>
+                        <a:rPr lang="en-US" sz="3200" dirty="0"/>
                         <a:t>2</a:t>
                       </a:r>
                       <a:endParaRPr lang="en-US" sz="3200" dirty="0">
@@ -11644,7 +12108,7 @@
                     <a:p>
                       <a:pPr algn="ctr"/>
                       <a:r>
-                        <a:rPr lang="en-US" sz="3200" dirty="0" smtClean="0"/>
+                        <a:rPr lang="en-US" sz="3200" dirty="0"/>
                         <a:t>3</a:t>
                       </a:r>
                       <a:endParaRPr lang="en-US" sz="3200" dirty="0">
@@ -11663,7 +12127,7 @@
                     <a:p>
                       <a:pPr algn="ctr"/>
                       <a:r>
-                        <a:rPr lang="en-US" sz="3200" dirty="0" smtClean="0"/>
+                        <a:rPr lang="en-US" sz="3200" dirty="0"/>
                         <a:t>4</a:t>
                       </a:r>
                       <a:endParaRPr lang="en-US" sz="3200" dirty="0">
@@ -11682,18 +12146,13 @@
                     <a:p>
                       <a:pPr algn="ctr"/>
                       <a:r>
-                        <a:rPr lang="en-US" sz="3200" dirty="0" smtClean="0">
+                        <a:rPr lang="en-US" sz="3200" dirty="0">
                           <a:solidFill>
                             <a:schemeClr val="tx1"/>
                           </a:solidFill>
                         </a:rPr>
                         <a:t>5</a:t>
                       </a:r>
-                      <a:endParaRPr lang="en-US" sz="3200" dirty="0">
-                        <a:solidFill>
-                          <a:schemeClr val="tx1"/>
-                        </a:solidFill>
-                      </a:endParaRPr>
                     </a:p>
                   </a:txBody>
                   <a:tcPr/>
@@ -11705,22 +12164,22 @@
                     <a:p>
                       <a:pPr algn="ctr"/>
                       <a:r>
-                        <a:rPr lang="en-US" sz="3200" dirty="0" smtClean="0">
+                        <a:rPr lang="en-US" sz="3200" dirty="0">
                           <a:solidFill>
                             <a:schemeClr val="tx1"/>
                           </a:solidFill>
                         </a:rPr>
                         <a:t>6</a:t>
                       </a:r>
-                      <a:endParaRPr lang="en-US" sz="3200" dirty="0">
-                        <a:solidFill>
-                          <a:schemeClr val="tx1"/>
-                        </a:solidFill>
-                      </a:endParaRPr>
                     </a:p>
                   </a:txBody>
                   <a:tcPr/>
                 </a:tc>
+                <a:extLst>
+                  <a:ext uri="{0D108BD9-81ED-4DB2-BD59-A6C34878D82A}">
+                    <a16:rowId xmlns:a16="http://schemas.microsoft.com/office/drawing/2014/main" val="10000"/>
+                  </a:ext>
+                </a:extLst>
               </a:tr>
             </a:tbl>
           </a:graphicData>
